--- a/presentation/Presentation 2.pptx
+++ b/presentation/Presentation 2.pptx
@@ -5,7 +5,7 @@
     <p:sldMasterId id="2147483659" r:id="rId1"/>
   </p:sldMasterIdLst>
   <p:notesMasterIdLst>
-    <p:notesMasterId r:id="rId12"/>
+    <p:notesMasterId r:id="rId15"/>
   </p:notesMasterIdLst>
   <p:sldIdLst>
     <p:sldId id="256" r:id="rId2"/>
@@ -14,10 +14,13 @@
     <p:sldId id="271" r:id="rId5"/>
     <p:sldId id="272" r:id="rId6"/>
     <p:sldId id="273" r:id="rId7"/>
-    <p:sldId id="274" r:id="rId8"/>
-    <p:sldId id="275" r:id="rId9"/>
-    <p:sldId id="277" r:id="rId10"/>
-    <p:sldId id="270" r:id="rId11"/>
+    <p:sldId id="278" r:id="rId8"/>
+    <p:sldId id="281" r:id="rId9"/>
+    <p:sldId id="279" r:id="rId10"/>
+    <p:sldId id="274" r:id="rId11"/>
+    <p:sldId id="275" r:id="rId12"/>
+    <p:sldId id="277" r:id="rId13"/>
+    <p:sldId id="270" r:id="rId14"/>
   </p:sldIdLst>
   <p:sldSz cx="9144000" cy="5143500" type="screen16x9"/>
   <p:notesSz cx="6858000" cy="9144000"/>
@@ -388,7 +391,7 @@
     </p:spTree>
     <p:extLst>
       <p:ext uri="{BB962C8B-B14F-4D97-AF65-F5344CB8AC3E}">
-        <p14:creationId xmlns:p14="http://schemas.microsoft.com/office/powerpoint/2010/main" val="4069305370"/>
+        <p14:creationId xmlns="" xmlns:p14="http://schemas.microsoft.com/office/powerpoint/2010/main" val="4069305370"/>
       </p:ext>
     </p:extLst>
   </p:cSld>
@@ -589,6 +592,208 @@
 </p:notes>
 </file>
 
+<file path=ppt/notesSlides/notesSlide10.xml><?xml version="1.0" encoding="utf-8"?>
+<p:notes xmlns:a="http://schemas.openxmlformats.org/drawingml/2006/main" xmlns:r="http://schemas.openxmlformats.org/officeDocument/2006/relationships" xmlns:p="http://schemas.openxmlformats.org/presentationml/2006/main" showMasterSp="0" showMasterPhAnim="0">
+  <p:cSld>
+    <p:spTree>
+      <p:nvGrpSpPr>
+        <p:cNvPr id="1" name="Shape 116"/>
+        <p:cNvGrpSpPr/>
+        <p:nvPr/>
+      </p:nvGrpSpPr>
+      <p:grpSpPr>
+        <a:xfrm>
+          <a:off x="0" y="0"/>
+          <a:ext cx="0" cy="0"/>
+          <a:chOff x="0" y="0"/>
+          <a:chExt cx="0" cy="0"/>
+        </a:xfrm>
+      </p:grpSpPr>
+      <p:sp>
+        <p:nvSpPr>
+          <p:cNvPr id="117" name="Shape 117"/>
+          <p:cNvSpPr>
+            <a:spLocks noGrp="1" noRot="1" noChangeAspect="1"/>
+          </p:cNvSpPr>
+          <p:nvPr>
+            <p:ph type="sldImg" idx="2"/>
+          </p:nvPr>
+        </p:nvSpPr>
+        <p:spPr>
+          <a:xfrm>
+            <a:off x="381000" y="685800"/>
+            <a:ext cx="6096000" cy="3429000"/>
+          </a:xfrm>
+          <a:custGeom>
+            <a:avLst/>
+            <a:gdLst/>
+            <a:ahLst/>
+            <a:cxnLst/>
+            <a:rect l="0" t="0" r="0" b="0"/>
+            <a:pathLst>
+              <a:path w="120000" h="120000" extrusionOk="0">
+                <a:moveTo>
+                  <a:pt x="0" y="0"/>
+                </a:moveTo>
+                <a:lnTo>
+                  <a:pt x="120000" y="0"/>
+                </a:lnTo>
+                <a:lnTo>
+                  <a:pt x="120000" y="120000"/>
+                </a:lnTo>
+                <a:lnTo>
+                  <a:pt x="0" y="120000"/>
+                </a:lnTo>
+                <a:close/>
+              </a:path>
+            </a:pathLst>
+          </a:custGeom>
+        </p:spPr>
+      </p:sp>
+      <p:sp>
+        <p:nvSpPr>
+          <p:cNvPr id="118" name="Shape 118"/>
+          <p:cNvSpPr txBox="1">
+            <a:spLocks noGrp="1"/>
+          </p:cNvSpPr>
+          <p:nvPr>
+            <p:ph type="body" idx="1"/>
+          </p:nvPr>
+        </p:nvSpPr>
+        <p:spPr>
+          <a:xfrm>
+            <a:off x="685800" y="4343400"/>
+            <a:ext cx="5486400" cy="4114800"/>
+          </a:xfrm>
+          <a:prstGeom prst="rect">
+            <a:avLst/>
+          </a:prstGeom>
+        </p:spPr>
+        <p:txBody>
+          <a:bodyPr lIns="91425" tIns="91425" rIns="91425" bIns="91425" anchor="t" anchorCtr="0">
+            <a:noAutofit/>
+          </a:bodyPr>
+          <a:lstStyle/>
+          <a:p>
+            <a:pPr lvl="0" rtl="0">
+              <a:spcBef>
+                <a:spcPts val="0"/>
+              </a:spcBef>
+              <a:buNone/>
+            </a:pPr>
+            <a:endParaRPr/>
+          </a:p>
+        </p:txBody>
+      </p:sp>
+    </p:spTree>
+  </p:cSld>
+  <p:clrMapOvr>
+    <a:masterClrMapping/>
+  </p:clrMapOvr>
+</p:notes>
+</file>
+
+<file path=ppt/notesSlides/notesSlide11.xml><?xml version="1.0" encoding="utf-8"?>
+<p:notes xmlns:a="http://schemas.openxmlformats.org/drawingml/2006/main" xmlns:r="http://schemas.openxmlformats.org/officeDocument/2006/relationships" xmlns:p="http://schemas.openxmlformats.org/presentationml/2006/main" showMasterSp="0" showMasterPhAnim="0">
+  <p:cSld>
+    <p:spTree>
+      <p:nvGrpSpPr>
+        <p:cNvPr id="1" name="Shape 166"/>
+        <p:cNvGrpSpPr/>
+        <p:nvPr/>
+      </p:nvGrpSpPr>
+      <p:grpSpPr>
+        <a:xfrm>
+          <a:off x="0" y="0"/>
+          <a:ext cx="0" cy="0"/>
+          <a:chOff x="0" y="0"/>
+          <a:chExt cx="0" cy="0"/>
+        </a:xfrm>
+      </p:grpSpPr>
+      <p:sp>
+        <p:nvSpPr>
+          <p:cNvPr id="167" name="Shape 167"/>
+          <p:cNvSpPr>
+            <a:spLocks noGrp="1" noRot="1" noChangeAspect="1"/>
+          </p:cNvSpPr>
+          <p:nvPr>
+            <p:ph type="sldImg" idx="2"/>
+          </p:nvPr>
+        </p:nvSpPr>
+        <p:spPr>
+          <a:xfrm>
+            <a:off x="381000" y="685800"/>
+            <a:ext cx="6096000" cy="3429000"/>
+          </a:xfrm>
+          <a:custGeom>
+            <a:avLst/>
+            <a:gdLst/>
+            <a:ahLst/>
+            <a:cxnLst/>
+            <a:rect l="0" t="0" r="0" b="0"/>
+            <a:pathLst>
+              <a:path w="120000" h="120000" extrusionOk="0">
+                <a:moveTo>
+                  <a:pt x="0" y="0"/>
+                </a:moveTo>
+                <a:lnTo>
+                  <a:pt x="120000" y="0"/>
+                </a:lnTo>
+                <a:lnTo>
+                  <a:pt x="120000" y="120000"/>
+                </a:lnTo>
+                <a:lnTo>
+                  <a:pt x="0" y="120000"/>
+                </a:lnTo>
+                <a:close/>
+              </a:path>
+            </a:pathLst>
+          </a:custGeom>
+        </p:spPr>
+      </p:sp>
+      <p:sp>
+        <p:nvSpPr>
+          <p:cNvPr id="168" name="Shape 168"/>
+          <p:cNvSpPr txBox="1">
+            <a:spLocks noGrp="1"/>
+          </p:cNvSpPr>
+          <p:nvPr>
+            <p:ph type="body" idx="1"/>
+          </p:nvPr>
+        </p:nvSpPr>
+        <p:spPr>
+          <a:xfrm>
+            <a:off x="685800" y="4343400"/>
+            <a:ext cx="5486400" cy="4114800"/>
+          </a:xfrm>
+          <a:prstGeom prst="rect">
+            <a:avLst/>
+          </a:prstGeom>
+        </p:spPr>
+        <p:txBody>
+          <a:bodyPr lIns="91425" tIns="91425" rIns="91425" bIns="91425" anchor="t" anchorCtr="0">
+            <a:noAutofit/>
+          </a:bodyPr>
+          <a:lstStyle/>
+          <a:p>
+            <a:pPr lvl="0">
+              <a:spcBef>
+                <a:spcPts val="0"/>
+              </a:spcBef>
+              <a:buNone/>
+            </a:pPr>
+            <a:endParaRPr/>
+          </a:p>
+        </p:txBody>
+      </p:sp>
+    </p:spTree>
+  </p:cSld>
+  <p:clrMapOvr>
+    <a:masterClrMapping/>
+  </p:clrMapOvr>
+</p:notes>
+</file>
+
 <file path=ppt/notesSlides/notesSlide2.xml><?xml version="1.0" encoding="utf-8"?>
 <p:notes xmlns:a="http://schemas.openxmlformats.org/drawingml/2006/main" xmlns:r="http://schemas.openxmlformats.org/officeDocument/2006/relationships" xmlns:p="http://schemas.openxmlformats.org/presentationml/2006/main" showMasterSp="0" showMasterPhAnim="0">
   <p:cSld>
@@ -1301,7 +1506,7 @@
   <p:cSld>
     <p:spTree>
       <p:nvGrpSpPr>
-        <p:cNvPr id="1" name="Shape 166"/>
+        <p:cNvPr id="1" name="Shape 116"/>
         <p:cNvGrpSpPr/>
         <p:nvPr/>
       </p:nvGrpSpPr>
@@ -1315,7 +1520,7 @@
       </p:grpSpPr>
       <p:sp>
         <p:nvSpPr>
-          <p:cNvPr id="167" name="Shape 167"/>
+          <p:cNvPr id="117" name="Shape 117"/>
           <p:cNvSpPr>
             <a:spLocks noGrp="1" noRot="1" noChangeAspect="1"/>
           </p:cNvSpPr>
@@ -1356,7 +1561,7 @@
       </p:sp>
       <p:sp>
         <p:nvSpPr>
-          <p:cNvPr id="168" name="Shape 168"/>
+          <p:cNvPr id="118" name="Shape 118"/>
           <p:cNvSpPr txBox="1">
             <a:spLocks noGrp="1"/>
           </p:cNvSpPr>
@@ -1379,7 +1584,7 @@
           </a:bodyPr>
           <a:lstStyle/>
           <a:p>
-            <a:pPr lvl="0">
+            <a:pPr lvl="0" rtl="0">
               <a:spcBef>
                 <a:spcPts val="0"/>
               </a:spcBef>
@@ -1692,6 +1897,12 @@
             </a:pPr>
             <a:fld id="{00000000-1234-1234-1234-123412341234}" type="slidenum">
               <a:rPr lang="de"/>
+              <a:pPr lvl="0">
+                <a:spcBef>
+                  <a:spcPts val="0"/>
+                </a:spcBef>
+                <a:buNone/>
+              </a:pPr>
               <a:t>‹#›</a:t>
             </a:fld>
             <a:endParaRPr lang="de"/>
@@ -1756,6 +1967,12 @@
             </a:pPr>
             <a:fld id="{00000000-1234-1234-1234-123412341234}" type="slidenum">
               <a:rPr lang="de"/>
+              <a:pPr lvl="0">
+                <a:spcBef>
+                  <a:spcPts val="0"/>
+                </a:spcBef>
+                <a:buNone/>
+              </a:pPr>
               <a:t>‹#›</a:t>
             </a:fld>
             <a:endParaRPr lang="de"/>
@@ -1911,6 +2128,12 @@
             </a:pPr>
             <a:fld id="{00000000-1234-1234-1234-123412341234}" type="slidenum">
               <a:rPr lang="de"/>
+              <a:pPr lvl="0">
+                <a:spcBef>
+                  <a:spcPts val="0"/>
+                </a:spcBef>
+                <a:buNone/>
+              </a:pPr>
               <a:t>‹#›</a:t>
             </a:fld>
             <a:endParaRPr lang="de"/>
@@ -2139,6 +2362,12 @@
             </a:pPr>
             <a:fld id="{00000000-1234-1234-1234-123412341234}" type="slidenum">
               <a:rPr lang="de"/>
+              <a:pPr lvl="0">
+                <a:spcBef>
+                  <a:spcPts val="0"/>
+                </a:spcBef>
+                <a:buNone/>
+              </a:pPr>
               <a:t>‹#›</a:t>
             </a:fld>
             <a:endParaRPr lang="de"/>
@@ -2467,6 +2696,12 @@
             </a:pPr>
             <a:fld id="{00000000-1234-1234-1234-123412341234}" type="slidenum">
               <a:rPr lang="de"/>
+              <a:pPr lvl="0">
+                <a:spcBef>
+                  <a:spcPts val="0"/>
+                </a:spcBef>
+                <a:buNone/>
+              </a:pPr>
               <a:t>‹#›</a:t>
             </a:fld>
             <a:endParaRPr lang="de"/>
@@ -2613,6 +2848,12 @@
             </a:pPr>
             <a:fld id="{00000000-1234-1234-1234-123412341234}" type="slidenum">
               <a:rPr lang="de"/>
+              <a:pPr lvl="0">
+                <a:spcBef>
+                  <a:spcPts val="0"/>
+                </a:spcBef>
+                <a:buNone/>
+              </a:pPr>
               <a:t>‹#›</a:t>
             </a:fld>
             <a:endParaRPr lang="de"/>
@@ -2859,6 +3100,12 @@
             </a:pPr>
             <a:fld id="{00000000-1234-1234-1234-123412341234}" type="slidenum">
               <a:rPr lang="de"/>
+              <a:pPr lvl="0">
+                <a:spcBef>
+                  <a:spcPts val="0"/>
+                </a:spcBef>
+                <a:buNone/>
+              </a:pPr>
               <a:t>‹#›</a:t>
             </a:fld>
             <a:endParaRPr lang="de"/>
@@ -3014,6 +3261,12 @@
             </a:pPr>
             <a:fld id="{00000000-1234-1234-1234-123412341234}" type="slidenum">
               <a:rPr lang="de"/>
+              <a:pPr lvl="0">
+                <a:spcBef>
+                  <a:spcPts val="0"/>
+                </a:spcBef>
+                <a:buNone/>
+              </a:pPr>
               <a:t>‹#›</a:t>
             </a:fld>
             <a:endParaRPr lang="de"/>
@@ -3119,6 +3372,12 @@
             </a:pPr>
             <a:fld id="{00000000-1234-1234-1234-123412341234}" type="slidenum">
               <a:rPr lang="de"/>
+              <a:pPr lvl="0">
+                <a:spcBef>
+                  <a:spcPts val="0"/>
+                </a:spcBef>
+                <a:buNone/>
+              </a:pPr>
               <a:t>‹#›</a:t>
             </a:fld>
             <a:endParaRPr lang="de"/>
@@ -3356,6 +3615,12 @@
             </a:pPr>
             <a:fld id="{00000000-1234-1234-1234-123412341234}" type="slidenum">
               <a:rPr lang="de"/>
+              <a:pPr lvl="0">
+                <a:spcBef>
+                  <a:spcPts val="0"/>
+                </a:spcBef>
+                <a:buNone/>
+              </a:pPr>
               <a:t>‹#›</a:t>
             </a:fld>
             <a:endParaRPr lang="de"/>
@@ -3807,6 +4072,12 @@
                   <a:schemeClr val="dk2"/>
                 </a:solidFill>
               </a:rPr>
+              <a:pPr lvl="0" algn="r">
+                <a:spcBef>
+                  <a:spcPts val="0"/>
+                </a:spcBef>
+                <a:buNone/>
+              </a:pPr>
               <a:t>‹#›</a:t>
             </a:fld>
             <a:endParaRPr lang="de" sz="1000">
@@ -3856,7 +4127,7 @@
           <a:blip r:embed="rId13">
             <a:extLst>
               <a:ext uri="{28A0092B-C50C-407E-A947-70E740481C1C}">
-                <a14:useLocalDpi xmlns:a14="http://schemas.microsoft.com/office/drawing/2010/main" val="0"/>
+                <a14:useLocalDpi xmlns="" xmlns:a14="http://schemas.microsoft.com/office/drawing/2010/main" val="0"/>
               </a:ext>
             </a:extLst>
           </a:blip>
@@ -4632,16 +4903,7 @@
                 <a:cs typeface="Open Sans"/>
                 <a:sym typeface="Open Sans"/>
               </a:rPr>
-              <a:t>10</a:t>
-            </a:r>
-            <a:r>
-              <a:rPr lang="de" dirty="0" smtClean="0">
-                <a:latin typeface="Open Sans"/>
-                <a:ea typeface="Open Sans"/>
-                <a:cs typeface="Open Sans"/>
-                <a:sym typeface="Open Sans"/>
-              </a:rPr>
-              <a:t>.07.2017</a:t>
+              <a:t>10.07.2017</a:t>
             </a:r>
             <a:r>
               <a:rPr lang="de" dirty="0">
@@ -4724,6 +4986,388 @@
 </file>
 
 <file path=ppt/slides/slide10.xml><?xml version="1.0" encoding="utf-8"?>
+<p:sld xmlns:a="http://schemas.openxmlformats.org/drawingml/2006/main" xmlns:r="http://schemas.openxmlformats.org/officeDocument/2006/relationships" xmlns:p="http://schemas.openxmlformats.org/presentationml/2006/main">
+  <p:cSld>
+    <p:spTree>
+      <p:nvGrpSpPr>
+        <p:cNvPr id="1" name="Shape 119"/>
+        <p:cNvGrpSpPr/>
+        <p:nvPr/>
+      </p:nvGrpSpPr>
+      <p:grpSpPr>
+        <a:xfrm>
+          <a:off x="0" y="0"/>
+          <a:ext cx="0" cy="0"/>
+          <a:chOff x="0" y="0"/>
+          <a:chExt cx="0" cy="0"/>
+        </a:xfrm>
+      </p:grpSpPr>
+      <p:sp>
+        <p:nvSpPr>
+          <p:cNvPr id="120" name="Shape 120"/>
+          <p:cNvSpPr txBox="1">
+            <a:spLocks noGrp="1"/>
+          </p:cNvSpPr>
+          <p:nvPr>
+            <p:ph type="title"/>
+          </p:nvPr>
+        </p:nvSpPr>
+        <p:spPr>
+          <a:xfrm>
+            <a:off x="311700" y="445025"/>
+            <a:ext cx="8520600" cy="572700"/>
+          </a:xfrm>
+          <a:prstGeom prst="rect">
+            <a:avLst/>
+          </a:prstGeom>
+        </p:spPr>
+        <p:txBody>
+          <a:bodyPr lIns="91425" tIns="91425" rIns="91425" bIns="91425" anchor="t" anchorCtr="0">
+            <a:noAutofit/>
+          </a:bodyPr>
+          <a:lstStyle/>
+          <a:p>
+            <a:pPr lvl="0"/>
+            <a:r>
+              <a:rPr lang="de" dirty="0">
+                <a:latin typeface="Montserrat"/>
+                <a:ea typeface="Montserrat"/>
+                <a:cs typeface="Montserrat"/>
+                <a:sym typeface="Montserrat"/>
+              </a:rPr>
+              <a:t>NOSQL Databses: RethinkDB</a:t>
+            </a:r>
+          </a:p>
+        </p:txBody>
+      </p:sp>
+      <p:sp>
+        <p:nvSpPr>
+          <p:cNvPr id="121" name="Shape 121"/>
+          <p:cNvSpPr txBox="1">
+            <a:spLocks noGrp="1"/>
+          </p:cNvSpPr>
+          <p:nvPr>
+            <p:ph type="sldNum" idx="12"/>
+          </p:nvPr>
+        </p:nvSpPr>
+        <p:spPr>
+          <a:xfrm>
+            <a:off x="8472457" y="4663216"/>
+            <a:ext cx="548700" cy="393600"/>
+          </a:xfrm>
+          <a:prstGeom prst="rect">
+            <a:avLst/>
+          </a:prstGeom>
+        </p:spPr>
+        <p:txBody>
+          <a:bodyPr lIns="91425" tIns="91425" rIns="91425" bIns="91425" anchor="ctr" anchorCtr="0">
+            <a:noAutofit/>
+          </a:bodyPr>
+          <a:lstStyle/>
+          <a:p>
+            <a:pPr lvl="0" rtl="0">
+              <a:spcBef>
+                <a:spcPts val="0"/>
+              </a:spcBef>
+              <a:buNone/>
+            </a:pPr>
+            <a:fld id="{00000000-1234-1234-1234-123412341234}" type="slidenum">
+              <a:rPr lang="de"/>
+              <a:pPr lvl="0" rtl="0">
+                <a:spcBef>
+                  <a:spcPts val="0"/>
+                </a:spcBef>
+                <a:buNone/>
+              </a:pPr>
+              <a:t>10</a:t>
+            </a:fld>
+            <a:endParaRPr lang="de"/>
+          </a:p>
+        </p:txBody>
+      </p:sp>
+      <p:sp>
+        <p:nvSpPr>
+          <p:cNvPr id="3" name="TextBox 2"/>
+          <p:cNvSpPr txBox="1"/>
+          <p:nvPr/>
+        </p:nvSpPr>
+        <p:spPr>
+          <a:xfrm>
+            <a:off x="311700" y="1184492"/>
+            <a:ext cx="5612904" cy="307777"/>
+          </a:xfrm>
+          <a:prstGeom prst="rect">
+            <a:avLst/>
+          </a:prstGeom>
+          <a:noFill/>
+        </p:spPr>
+        <p:txBody>
+          <a:bodyPr wrap="square" rtlCol="0">
+            <a:spAutoFit/>
+          </a:bodyPr>
+          <a:lstStyle/>
+          <a:p>
+            <a:pPr marL="285750" indent="-285750">
+              <a:buFont typeface="Arial"/>
+              <a:buChar char="•"/>
+            </a:pPr>
+            <a:r>
+              <a:rPr lang="en-GB" dirty="0" smtClean="0"/>
+              <a:t>Session storage</a:t>
+            </a:r>
+            <a:endParaRPr lang="en-GB" dirty="0"/>
+          </a:p>
+        </p:txBody>
+      </p:sp>
+    </p:spTree>
+    <p:extLst>
+      <p:ext uri="{BB962C8B-B14F-4D97-AF65-F5344CB8AC3E}">
+        <p14:creationId xmlns="" xmlns:p14="http://schemas.microsoft.com/office/powerpoint/2010/main" val="3733304633"/>
+      </p:ext>
+    </p:extLst>
+  </p:cSld>
+  <p:clrMapOvr>
+    <a:masterClrMapping/>
+  </p:clrMapOvr>
+</p:sld>
+</file>
+
+<file path=ppt/slides/slide11.xml><?xml version="1.0" encoding="utf-8"?>
+<p:sld xmlns:a="http://schemas.openxmlformats.org/drawingml/2006/main" xmlns:r="http://schemas.openxmlformats.org/officeDocument/2006/relationships" xmlns:p="http://schemas.openxmlformats.org/presentationml/2006/main">
+  <p:cSld>
+    <p:spTree>
+      <p:nvGrpSpPr>
+        <p:cNvPr id="1" name="Shape 119"/>
+        <p:cNvGrpSpPr/>
+        <p:nvPr/>
+      </p:nvGrpSpPr>
+      <p:grpSpPr>
+        <a:xfrm>
+          <a:off x="0" y="0"/>
+          <a:ext cx="0" cy="0"/>
+          <a:chOff x="0" y="0"/>
+          <a:chExt cx="0" cy="0"/>
+        </a:xfrm>
+      </p:grpSpPr>
+      <p:sp>
+        <p:nvSpPr>
+          <p:cNvPr id="120" name="Shape 120"/>
+          <p:cNvSpPr txBox="1">
+            <a:spLocks noGrp="1"/>
+          </p:cNvSpPr>
+          <p:nvPr>
+            <p:ph type="title"/>
+          </p:nvPr>
+        </p:nvSpPr>
+        <p:spPr>
+          <a:xfrm>
+            <a:off x="311700" y="445025"/>
+            <a:ext cx="8520600" cy="572700"/>
+          </a:xfrm>
+          <a:prstGeom prst="rect">
+            <a:avLst/>
+          </a:prstGeom>
+        </p:spPr>
+        <p:txBody>
+          <a:bodyPr lIns="91425" tIns="91425" rIns="91425" bIns="91425" anchor="t" anchorCtr="0">
+            <a:noAutofit/>
+          </a:bodyPr>
+          <a:lstStyle/>
+          <a:p>
+            <a:pPr lvl="0"/>
+            <a:r>
+              <a:rPr lang="de" dirty="0">
+                <a:latin typeface="Montserrat"/>
+                <a:ea typeface="Montserrat"/>
+                <a:cs typeface="Montserrat"/>
+                <a:sym typeface="Montserrat"/>
+              </a:rPr>
+              <a:t>NOSQL Databses: Neo4j</a:t>
+            </a:r>
+          </a:p>
+        </p:txBody>
+      </p:sp>
+      <p:sp>
+        <p:nvSpPr>
+          <p:cNvPr id="121" name="Shape 121"/>
+          <p:cNvSpPr txBox="1">
+            <a:spLocks noGrp="1"/>
+          </p:cNvSpPr>
+          <p:nvPr>
+            <p:ph type="sldNum" idx="12"/>
+          </p:nvPr>
+        </p:nvSpPr>
+        <p:spPr>
+          <a:xfrm>
+            <a:off x="8472457" y="4663216"/>
+            <a:ext cx="548700" cy="393600"/>
+          </a:xfrm>
+          <a:prstGeom prst="rect">
+            <a:avLst/>
+          </a:prstGeom>
+        </p:spPr>
+        <p:txBody>
+          <a:bodyPr lIns="91425" tIns="91425" rIns="91425" bIns="91425" anchor="ctr" anchorCtr="0">
+            <a:noAutofit/>
+          </a:bodyPr>
+          <a:lstStyle/>
+          <a:p>
+            <a:pPr lvl="0" rtl="0">
+              <a:spcBef>
+                <a:spcPts val="0"/>
+              </a:spcBef>
+              <a:buNone/>
+            </a:pPr>
+            <a:fld id="{00000000-1234-1234-1234-123412341234}" type="slidenum">
+              <a:rPr lang="de"/>
+              <a:pPr lvl="0" rtl="0">
+                <a:spcBef>
+                  <a:spcPts val="0"/>
+                </a:spcBef>
+                <a:buNone/>
+              </a:pPr>
+              <a:t>11</a:t>
+            </a:fld>
+            <a:endParaRPr lang="de"/>
+          </a:p>
+        </p:txBody>
+      </p:sp>
+      <p:sp>
+        <p:nvSpPr>
+          <p:cNvPr id="3" name="TextBox 2"/>
+          <p:cNvSpPr txBox="1"/>
+          <p:nvPr/>
+        </p:nvSpPr>
+        <p:spPr>
+          <a:xfrm>
+            <a:off x="311700" y="1184492"/>
+            <a:ext cx="5612904" cy="307777"/>
+          </a:xfrm>
+          <a:prstGeom prst="rect">
+            <a:avLst/>
+          </a:prstGeom>
+          <a:noFill/>
+        </p:spPr>
+        <p:txBody>
+          <a:bodyPr wrap="square" rtlCol="0">
+            <a:spAutoFit/>
+          </a:bodyPr>
+          <a:lstStyle/>
+          <a:p>
+            <a:pPr marL="285750" indent="-285750">
+              <a:buFont typeface="Arial"/>
+              <a:buChar char="•"/>
+            </a:pPr>
+            <a:r>
+              <a:rPr lang="en-GB" dirty="0" smtClean="0"/>
+              <a:t>Recommendation</a:t>
+            </a:r>
+            <a:endParaRPr lang="en-GB" dirty="0"/>
+          </a:p>
+        </p:txBody>
+      </p:sp>
+    </p:spTree>
+    <p:extLst>
+      <p:ext uri="{BB962C8B-B14F-4D97-AF65-F5344CB8AC3E}">
+        <p14:creationId xmlns="" xmlns:p14="http://schemas.microsoft.com/office/powerpoint/2010/main" val="280105268"/>
+      </p:ext>
+    </p:extLst>
+  </p:cSld>
+  <p:clrMapOvr>
+    <a:masterClrMapping/>
+  </p:clrMapOvr>
+</p:sld>
+</file>
+
+<file path=ppt/slides/slide12.xml><?xml version="1.0" encoding="utf-8"?>
+<p:sld xmlns:a="http://schemas.openxmlformats.org/drawingml/2006/main" xmlns:r="http://schemas.openxmlformats.org/officeDocument/2006/relationships" xmlns:p="http://schemas.openxmlformats.org/presentationml/2006/main">
+  <p:cSld>
+    <p:spTree>
+      <p:nvGrpSpPr>
+        <p:cNvPr id="1" name=""/>
+        <p:cNvGrpSpPr/>
+        <p:nvPr/>
+      </p:nvGrpSpPr>
+      <p:grpSpPr>
+        <a:xfrm>
+          <a:off x="0" y="0"/>
+          <a:ext cx="0" cy="0"/>
+          <a:chOff x="0" y="0"/>
+          <a:chExt cx="0" cy="0"/>
+        </a:xfrm>
+      </p:grpSpPr>
+      <p:sp>
+        <p:nvSpPr>
+          <p:cNvPr id="2" name="Title 1"/>
+          <p:cNvSpPr>
+            <a:spLocks noGrp="1"/>
+          </p:cNvSpPr>
+          <p:nvPr>
+            <p:ph type="title"/>
+          </p:nvPr>
+        </p:nvSpPr>
+        <p:spPr/>
+        <p:txBody>
+          <a:bodyPr/>
+          <a:lstStyle/>
+          <a:p>
+            <a:r>
+              <a:rPr lang="en-GB" dirty="0" smtClean="0"/>
+              <a:t>Live demo</a:t>
+            </a:r>
+            <a:endParaRPr lang="en-GB" dirty="0"/>
+          </a:p>
+        </p:txBody>
+      </p:sp>
+      <p:sp>
+        <p:nvSpPr>
+          <p:cNvPr id="3" name="Slide Number Placeholder 2"/>
+          <p:cNvSpPr>
+            <a:spLocks noGrp="1"/>
+          </p:cNvSpPr>
+          <p:nvPr>
+            <p:ph type="sldNum" idx="12"/>
+          </p:nvPr>
+        </p:nvSpPr>
+        <p:spPr/>
+        <p:txBody>
+          <a:bodyPr/>
+          <a:lstStyle/>
+          <a:p>
+            <a:pPr lvl="0">
+              <a:spcBef>
+                <a:spcPts val="0"/>
+              </a:spcBef>
+              <a:buNone/>
+            </a:pPr>
+            <a:fld id="{00000000-1234-1234-1234-123412341234}" type="slidenum">
+              <a:rPr lang="de" smtClean="0"/>
+              <a:pPr lvl="0">
+                <a:spcBef>
+                  <a:spcPts val="0"/>
+                </a:spcBef>
+                <a:buNone/>
+              </a:pPr>
+              <a:t>12</a:t>
+            </a:fld>
+            <a:endParaRPr lang="de"/>
+          </a:p>
+        </p:txBody>
+      </p:sp>
+    </p:spTree>
+    <p:extLst>
+      <p:ext uri="{BB962C8B-B14F-4D97-AF65-F5344CB8AC3E}">
+        <p14:creationId xmlns="" xmlns:p14="http://schemas.microsoft.com/office/powerpoint/2010/main" val="1930402515"/>
+      </p:ext>
+    </p:extLst>
+  </p:cSld>
+  <p:clrMapOvr>
+    <a:masterClrMapping/>
+  </p:clrMapOvr>
+</p:sld>
+</file>
+
+<file path=ppt/slides/slide13.xml><?xml version="1.0" encoding="utf-8"?>
 <p:sld xmlns:a="http://schemas.openxmlformats.org/drawingml/2006/main" xmlns:r="http://schemas.openxmlformats.org/officeDocument/2006/relationships" xmlns:p="http://schemas.openxmlformats.org/presentationml/2006/main">
   <p:cSld>
     <p:spTree>
@@ -4816,7 +5460,13 @@
             </a:pPr>
             <a:fld id="{00000000-1234-1234-1234-123412341234}" type="slidenum">
               <a:rPr lang="de"/>
-              <a:t>10</a:t>
+              <a:pPr lvl="0">
+                <a:spcBef>
+                  <a:spcPts val="0"/>
+                </a:spcBef>
+                <a:buNone/>
+              </a:pPr>
+              <a:t>13</a:t>
             </a:fld>
             <a:endParaRPr lang="de"/>
           </a:p>
@@ -4923,6 +5573,12 @@
             </a:pPr>
             <a:fld id="{00000000-1234-1234-1234-123412341234}" type="slidenum">
               <a:rPr lang="de"/>
+              <a:pPr lvl="0">
+                <a:spcBef>
+                  <a:spcPts val="0"/>
+                </a:spcBef>
+                <a:buNone/>
+              </a:pPr>
               <a:t>2</a:t>
             </a:fld>
             <a:endParaRPr lang="de"/>
@@ -5214,7 +5870,7 @@
                 <a:cs typeface="Montserrat"/>
                 <a:sym typeface="Montserrat"/>
               </a:rPr>
-              <a:t>Description</a:t>
+              <a:t>Application Architecture</a:t>
             </a:r>
             <a:endParaRPr lang="de" dirty="0">
               <a:latin typeface="Montserrat"/>
@@ -5258,72 +5914,51 @@
             </a:pPr>
             <a:fld id="{00000000-1234-1234-1234-123412341234}" type="slidenum">
               <a:rPr lang="de"/>
+              <a:pPr lvl="0" rtl="0">
+                <a:spcBef>
+                  <a:spcPts val="0"/>
+                </a:spcBef>
+                <a:buNone/>
+              </a:pPr>
               <a:t>3</a:t>
             </a:fld>
             <a:endParaRPr lang="de"/>
           </a:p>
         </p:txBody>
       </p:sp>
-      <p:sp>
-        <p:nvSpPr>
-          <p:cNvPr id="3" name="TextBox 2"/>
-          <p:cNvSpPr txBox="1"/>
+      <p:pic>
+        <p:nvPicPr>
+          <p:cNvPr id="1027" name="Picture 3"/>
+          <p:cNvPicPr>
+            <a:picLocks noChangeAspect="1" noChangeArrowheads="1"/>
+          </p:cNvPicPr>
           <p:nvPr/>
-        </p:nvSpPr>
-        <p:spPr>
-          <a:xfrm>
-            <a:off x="311700" y="1283202"/>
-            <a:ext cx="1531890" cy="307777"/>
+        </p:nvPicPr>
+        <p:blipFill>
+          <a:blip r:embed="rId3"/>
+          <a:srcRect/>
+          <a:stretch>
+            <a:fillRect/>
+          </a:stretch>
+        </p:blipFill>
+        <p:spPr bwMode="auto">
+          <a:xfrm>
+            <a:off x="780836" y="1017725"/>
+            <a:ext cx="6996701" cy="4044813"/>
           </a:xfrm>
           <a:prstGeom prst="rect">
             <a:avLst/>
           </a:prstGeom>
           <a:noFill/>
-        </p:spPr>
-        <p:txBody>
-          <a:bodyPr wrap="none" rtlCol="0">
-            <a:spAutoFit/>
-          </a:bodyPr>
-          <a:lstStyle/>
-          <a:p>
-            <a:r>
-              <a:rPr lang="en-GB" dirty="0" smtClean="0"/>
-              <a:t>Description to do</a:t>
-            </a:r>
-            <a:endParaRPr lang="en-GB" dirty="0"/>
-          </a:p>
-        </p:txBody>
-      </p:sp>
-      <p:sp>
-        <p:nvSpPr>
-          <p:cNvPr id="8" name="TextBox 7"/>
-          <p:cNvSpPr txBox="1"/>
-          <p:nvPr/>
-        </p:nvSpPr>
-        <p:spPr>
-          <a:xfrm>
-            <a:off x="4500852" y="1401651"/>
-            <a:ext cx="4178422" cy="307777"/>
-          </a:xfrm>
-          <a:prstGeom prst="rect">
-            <a:avLst/>
-          </a:prstGeom>
-          <a:noFill/>
-        </p:spPr>
-        <p:txBody>
-          <a:bodyPr wrap="square" rtlCol="0">
-            <a:spAutoFit/>
-          </a:bodyPr>
-          <a:lstStyle/>
-          <a:p>
-            <a:r>
-              <a:rPr lang="en-GB" dirty="0" smtClean="0"/>
-              <a:t>Here goes architecture diagram</a:t>
-            </a:r>
-            <a:endParaRPr lang="en-GB" dirty="0"/>
-          </a:p>
-        </p:txBody>
-      </p:sp>
+          <a:ln w="9525">
+            <a:noFill/>
+            <a:miter lim="800000"/>
+            <a:headEnd/>
+            <a:tailEnd/>
+          </a:ln>
+          <a:effectLst/>
+        </p:spPr>
+      </p:pic>
     </p:spTree>
   </p:cSld>
   <p:clrMapOvr>
@@ -5431,6 +6066,12 @@
             </a:pPr>
             <a:fld id="{00000000-1234-1234-1234-123412341234}" type="slidenum">
               <a:rPr lang="de"/>
+              <a:pPr lvl="0" rtl="0">
+                <a:spcBef>
+                  <a:spcPts val="0"/>
+                </a:spcBef>
+                <a:buNone/>
+              </a:pPr>
               <a:t>4</a:t>
             </a:fld>
             <a:endParaRPr lang="de"/>
@@ -5449,7 +6090,7 @@
           <a:blip r:embed="rId3">
             <a:extLst>
               <a:ext uri="{28A0092B-C50C-407E-A947-70E740481C1C}">
-                <a14:useLocalDpi xmlns:a14="http://schemas.microsoft.com/office/drawing/2010/main" val="0"/>
+                <a14:useLocalDpi xmlns="" xmlns:a14="http://schemas.microsoft.com/office/drawing/2010/main" val="0"/>
               </a:ext>
             </a:extLst>
           </a:blip>
@@ -5470,7 +6111,7 @@
     </p:spTree>
     <p:extLst>
       <p:ext uri="{BB962C8B-B14F-4D97-AF65-F5344CB8AC3E}">
-        <p14:creationId xmlns:p14="http://schemas.microsoft.com/office/powerpoint/2010/main" val="1804550380"/>
+        <p14:creationId xmlns="" xmlns:p14="http://schemas.microsoft.com/office/powerpoint/2010/main" val="1804550380"/>
       </p:ext>
     </p:extLst>
   </p:cSld>
@@ -5579,6 +6220,12 @@
             </a:pPr>
             <a:fld id="{00000000-1234-1234-1234-123412341234}" type="slidenum">
               <a:rPr lang="de"/>
+              <a:pPr lvl="0" rtl="0">
+                <a:spcBef>
+                  <a:spcPts val="0"/>
+                </a:spcBef>
+                <a:buNone/>
+              </a:pPr>
               <a:t>5</a:t>
             </a:fld>
             <a:endParaRPr lang="de"/>
@@ -5657,7 +6304,7 @@
     </p:spTree>
     <p:extLst>
       <p:ext uri="{BB962C8B-B14F-4D97-AF65-F5344CB8AC3E}">
-        <p14:creationId xmlns:p14="http://schemas.microsoft.com/office/powerpoint/2010/main" val="2271052915"/>
+        <p14:creationId xmlns="" xmlns:p14="http://schemas.microsoft.com/office/powerpoint/2010/main" val="2271052915"/>
       </p:ext>
     </p:extLst>
   </p:cSld>
@@ -5695,10 +6342,6 @@
           </p:nvPr>
         </p:nvSpPr>
         <p:spPr>
-          <a:xfrm>
-            <a:off x="311700" y="445025"/>
-            <a:ext cx="8520600" cy="572700"/>
-          </a:xfrm>
           <a:prstGeom prst="rect">
             <a:avLst/>
           </a:prstGeom>
@@ -5717,14 +6360,64 @@
                 <a:cs typeface="Montserrat"/>
                 <a:sym typeface="Montserrat"/>
               </a:rPr>
-              <a:t>NOSQL Databses: Redis</a:t>
+              <a:t>NOSQL </a:t>
             </a:r>
-            <a:endParaRPr lang="de" dirty="0">
-              <a:latin typeface="Montserrat"/>
-              <a:ea typeface="Montserrat"/>
-              <a:cs typeface="Montserrat"/>
-              <a:sym typeface="Montserrat"/>
-            </a:endParaRPr>
+            <a:r>
+              <a:rPr lang="de" dirty="0" smtClean="0">
+                <a:latin typeface="Montserrat"/>
+                <a:ea typeface="Montserrat"/>
+                <a:cs typeface="Montserrat"/>
+                <a:sym typeface="Montserrat"/>
+              </a:rPr>
+              <a:t>Databases</a:t>
+            </a:r>
+            <a:r>
+              <a:rPr lang="de" dirty="0">
+                <a:latin typeface="Montserrat"/>
+                <a:ea typeface="Montserrat"/>
+                <a:cs typeface="Montserrat"/>
+                <a:sym typeface="Montserrat"/>
+              </a:rPr>
+              <a:t>: Redis</a:t>
+            </a:r>
+          </a:p>
+        </p:txBody>
+      </p:sp>
+      <p:sp>
+        <p:nvSpPr>
+          <p:cNvPr id="4" name="Text Placeholder 3"/>
+          <p:cNvSpPr>
+            <a:spLocks noGrp="1"/>
+          </p:cNvSpPr>
+          <p:nvPr>
+            <p:ph type="body" idx="1"/>
+          </p:nvPr>
+        </p:nvSpPr>
+        <p:spPr/>
+        <p:txBody>
+          <a:bodyPr/>
+          <a:lstStyle/>
+          <a:p>
+            <a:endParaRPr lang="en-US" dirty="0" smtClean="0"/>
+          </a:p>
+          <a:p>
+            <a:r>
+              <a:rPr lang="en-US" dirty="0" smtClean="0"/>
+              <a:t>	</a:t>
+            </a:r>
+          </a:p>
+          <a:p>
+            <a:pPr>
+              <a:buFont typeface="Arial" pitchFamily="34" charset="0"/>
+              <a:buChar char="•"/>
+            </a:pPr>
+            <a:endParaRPr lang="en-US" dirty="0" smtClean="0"/>
+          </a:p>
+          <a:p>
+            <a:endParaRPr lang="en-US" dirty="0" smtClean="0"/>
+          </a:p>
+          <a:p>
+            <a:endParaRPr lang="en-US" b="1" dirty="0"/>
           </a:p>
         </p:txBody>
       </p:sp>
@@ -5739,10 +6432,6 @@
           </p:nvPr>
         </p:nvSpPr>
         <p:spPr>
-          <a:xfrm>
-            <a:off x="8472457" y="4663216"/>
-            <a:ext cx="548700" cy="393600"/>
-          </a:xfrm>
           <a:prstGeom prst="rect">
             <a:avLst/>
           </a:prstGeom>
@@ -5761,22 +6450,158 @@
             </a:pPr>
             <a:fld id="{00000000-1234-1234-1234-123412341234}" type="slidenum">
               <a:rPr lang="de"/>
+              <a:pPr lvl="0" rtl="0">
+                <a:spcBef>
+                  <a:spcPts val="0"/>
+                </a:spcBef>
+                <a:buNone/>
+              </a:pPr>
               <a:t>6</a:t>
             </a:fld>
             <a:endParaRPr lang="de"/>
           </a:p>
         </p:txBody>
       </p:sp>
+      <p:sp>
+        <p:nvSpPr>
+          <p:cNvPr id="5" name="Rounded Rectangle 4"/>
+          <p:cNvSpPr/>
+          <p:nvPr/>
+        </p:nvSpPr>
+        <p:spPr>
+          <a:xfrm>
+            <a:off x="1283677" y="1899139"/>
+            <a:ext cx="2479431" cy="1459523"/>
+          </a:xfrm>
+          <a:prstGeom prst="roundRect">
+            <a:avLst/>
+          </a:prstGeom>
+          <a:solidFill>
+            <a:schemeClr val="accent3">
+              <a:lumMod val="75000"/>
+            </a:schemeClr>
+          </a:solidFill>
+        </p:spPr>
+        <p:style>
+          <a:lnRef idx="2">
+            <a:schemeClr val="accent1">
+              <a:shade val="50000"/>
+            </a:schemeClr>
+          </a:lnRef>
+          <a:fillRef idx="1">
+            <a:schemeClr val="accent1"/>
+          </a:fillRef>
+          <a:effectRef idx="0">
+            <a:schemeClr val="accent1"/>
+          </a:effectRef>
+          <a:fontRef idx="minor">
+            <a:schemeClr val="lt1"/>
+          </a:fontRef>
+        </p:style>
+        <p:txBody>
+          <a:bodyPr rtlCol="0" anchor="ctr"/>
+          <a:lstStyle/>
+          <a:p>
+            <a:pPr algn="ctr"/>
+            <a:r>
+              <a:rPr lang="en-US" dirty="0" smtClean="0"/>
+              <a:t>Stores Blog Data: Blog Title, </a:t>
+            </a:r>
+          </a:p>
+          <a:p>
+            <a:pPr algn="ctr"/>
+            <a:r>
+              <a:rPr lang="en-US" dirty="0" smtClean="0"/>
+              <a:t>Category, </a:t>
+            </a:r>
+          </a:p>
+          <a:p>
+            <a:pPr algn="ctr"/>
+            <a:r>
+              <a:rPr lang="en-US" dirty="0" smtClean="0"/>
+              <a:t>Blog Content</a:t>
+            </a:r>
+            <a:endParaRPr lang="en-US" dirty="0"/>
+          </a:p>
+        </p:txBody>
+      </p:sp>
+      <p:sp>
+        <p:nvSpPr>
+          <p:cNvPr id="6" name="Rounded Rectangle 5"/>
+          <p:cNvSpPr/>
+          <p:nvPr/>
+        </p:nvSpPr>
+        <p:spPr>
+          <a:xfrm>
+            <a:off x="5164016" y="1899139"/>
+            <a:ext cx="2423746" cy="1459523"/>
+          </a:xfrm>
+          <a:prstGeom prst="roundRect">
+            <a:avLst/>
+          </a:prstGeom>
+          <a:solidFill>
+            <a:schemeClr val="accent3">
+              <a:lumMod val="75000"/>
+            </a:schemeClr>
+          </a:solidFill>
+        </p:spPr>
+        <p:style>
+          <a:lnRef idx="2">
+            <a:schemeClr val="accent1">
+              <a:shade val="50000"/>
+            </a:schemeClr>
+          </a:lnRef>
+          <a:fillRef idx="1">
+            <a:schemeClr val="accent1"/>
+          </a:fillRef>
+          <a:effectRef idx="0">
+            <a:schemeClr val="accent1"/>
+          </a:effectRef>
+          <a:fontRef idx="minor">
+            <a:schemeClr val="lt1"/>
+          </a:fontRef>
+        </p:style>
+        <p:txBody>
+          <a:bodyPr rtlCol="0" anchor="ctr"/>
+          <a:lstStyle/>
+          <a:p>
+            <a:r>
+              <a:rPr lang="en-US" dirty="0" smtClean="0"/>
+              <a:t>Data is key-value pair with Key as </a:t>
+            </a:r>
+            <a:r>
+              <a:rPr lang="en-US" b="1" dirty="0" smtClean="0"/>
+              <a:t>Id</a:t>
+            </a:r>
+            <a:r>
+              <a:rPr lang="en-US" dirty="0" smtClean="0"/>
+              <a:t> and Value as </a:t>
+            </a:r>
+            <a:r>
+              <a:rPr lang="en-US" b="1" dirty="0" smtClean="0"/>
+              <a:t>Blog Data</a:t>
+            </a:r>
+          </a:p>
+        </p:txBody>
+      </p:sp>
     </p:spTree>
     <p:extLst>
       <p:ext uri="{BB962C8B-B14F-4D97-AF65-F5344CB8AC3E}">
-        <p14:creationId xmlns:p14="http://schemas.microsoft.com/office/powerpoint/2010/main" val="591382470"/>
+        <p14:creationId xmlns="" xmlns:p14="http://schemas.microsoft.com/office/powerpoint/2010/main" val="591382470"/>
       </p:ext>
     </p:extLst>
   </p:cSld>
   <p:clrMapOvr>
     <a:masterClrMapping/>
   </p:clrMapOvr>
+  <p:transition/>
+  <p:timing>
+    <p:tnLst>
+      <p:par>
+        <p:cTn id="1" dur="indefinite" restart="never" nodeType="tmRoot"/>
+      </p:par>
+    </p:tnLst>
+  </p:timing>
 </p:sld>
 </file>
 
@@ -5808,10 +6633,6 @@
           </p:nvPr>
         </p:nvSpPr>
         <p:spPr>
-          <a:xfrm>
-            <a:off x="311700" y="445025"/>
-            <a:ext cx="8520600" cy="572700"/>
-          </a:xfrm>
           <a:prstGeom prst="rect">
             <a:avLst/>
           </a:prstGeom>
@@ -5824,13 +6645,13 @@
           <a:p>
             <a:pPr lvl="0"/>
             <a:r>
-              <a:rPr lang="de" dirty="0">
+              <a:rPr lang="de" dirty="0" smtClean="0">
                 <a:latin typeface="Montserrat"/>
                 <a:ea typeface="Montserrat"/>
                 <a:cs typeface="Montserrat"/>
                 <a:sym typeface="Montserrat"/>
               </a:rPr>
-              <a:t>NOSQL Databses: RethinkDB</a:t>
+              <a:t>Redis : Problems Encountered</a:t>
             </a:r>
             <a:endParaRPr lang="de" dirty="0">
               <a:latin typeface="Montserrat"/>
@@ -5843,6 +6664,52 @@
       </p:sp>
       <p:sp>
         <p:nvSpPr>
+          <p:cNvPr id="4" name="Text Placeholder 3"/>
+          <p:cNvSpPr>
+            <a:spLocks noGrp="1"/>
+          </p:cNvSpPr>
+          <p:nvPr>
+            <p:ph type="body" idx="1"/>
+          </p:nvPr>
+        </p:nvSpPr>
+        <p:spPr>
+          <a:xfrm>
+            <a:off x="500557" y="1246816"/>
+            <a:ext cx="8520600" cy="3416400"/>
+          </a:xfrm>
+        </p:spPr>
+        <p:txBody>
+          <a:bodyPr/>
+          <a:lstStyle/>
+          <a:p>
+            <a:r>
+              <a:rPr lang="en-US" b="1" dirty="0" smtClean="0"/>
+              <a:t> </a:t>
+            </a:r>
+          </a:p>
+          <a:p>
+            <a:endParaRPr lang="en-US" b="1" dirty="0" smtClean="0"/>
+          </a:p>
+          <a:p>
+            <a:endParaRPr lang="en-US" b="1" dirty="0" smtClean="0"/>
+          </a:p>
+          <a:p>
+            <a:endParaRPr lang="en-US" b="1" dirty="0" smtClean="0"/>
+          </a:p>
+          <a:p>
+            <a:endParaRPr lang="en-US" b="1" dirty="0" smtClean="0"/>
+          </a:p>
+          <a:p>
+            <a:pPr>
+              <a:buFont typeface="Arial" pitchFamily="34" charset="0"/>
+              <a:buChar char="•"/>
+            </a:pPr>
+            <a:endParaRPr lang="en-US" b="1" dirty="0"/>
+          </a:p>
+        </p:txBody>
+      </p:sp>
+      <p:sp>
+        <p:nvSpPr>
           <p:cNvPr id="121" name="Shape 121"/>
           <p:cNvSpPr txBox="1">
             <a:spLocks noGrp="1"/>
@@ -5852,10 +6719,6 @@
           </p:nvPr>
         </p:nvSpPr>
         <p:spPr>
-          <a:xfrm>
-            <a:off x="8472457" y="4663216"/>
-            <a:ext cx="548700" cy="393600"/>
-          </a:xfrm>
           <a:prstGeom prst="rect">
             <a:avLst/>
           </a:prstGeom>
@@ -5874,6 +6737,12 @@
             </a:pPr>
             <a:fld id="{00000000-1234-1234-1234-123412341234}" type="slidenum">
               <a:rPr lang="de"/>
+              <a:pPr lvl="0" rtl="0">
+                <a:spcBef>
+                  <a:spcPts val="0"/>
+                </a:spcBef>
+                <a:buNone/>
+              </a:pPr>
               <a:t>7</a:t>
             </a:fld>
             <a:endParaRPr lang="de"/>
@@ -5882,42 +6751,157 @@
       </p:sp>
       <p:sp>
         <p:nvSpPr>
-          <p:cNvPr id="3" name="TextBox 2"/>
-          <p:cNvSpPr txBox="1"/>
+          <p:cNvPr id="5" name="Oval 4"/>
+          <p:cNvSpPr/>
           <p:nvPr/>
         </p:nvSpPr>
         <p:spPr>
           <a:xfrm>
-            <a:off x="311700" y="1184492"/>
-            <a:ext cx="5612904" cy="307777"/>
+            <a:off x="3521320" y="1982664"/>
+            <a:ext cx="2576146" cy="1872761"/>
+          </a:xfrm>
+          <a:prstGeom prst="ellipse">
+            <a:avLst/>
+          </a:prstGeom>
+          <a:solidFill>
+            <a:srgbClr val="7030A0"/>
+          </a:solidFill>
+        </p:spPr>
+        <p:style>
+          <a:lnRef idx="2">
+            <a:schemeClr val="accent1">
+              <a:shade val="50000"/>
+            </a:schemeClr>
+          </a:lnRef>
+          <a:fillRef idx="1">
+            <a:schemeClr val="accent1"/>
+          </a:fillRef>
+          <a:effectRef idx="0">
+            <a:schemeClr val="accent1"/>
+          </a:effectRef>
+          <a:fontRef idx="minor">
+            <a:schemeClr val="lt1"/>
+          </a:fontRef>
+        </p:style>
+        <p:txBody>
+          <a:bodyPr rtlCol="0" anchor="ctr"/>
+          <a:lstStyle/>
+          <a:p>
+            <a:r>
+              <a:rPr lang="en-US" b="1" dirty="0" smtClean="0"/>
+              <a:t>What if we wish to store more fields like Category, Username?</a:t>
+            </a:r>
+            <a:endParaRPr lang="en-US" dirty="0"/>
+          </a:p>
+        </p:txBody>
+      </p:sp>
+      <p:sp>
+        <p:nvSpPr>
+          <p:cNvPr id="6" name="Rectangle 5"/>
+          <p:cNvSpPr/>
+          <p:nvPr/>
+        </p:nvSpPr>
+        <p:spPr>
+          <a:xfrm>
+            <a:off x="958363" y="1283676"/>
+            <a:ext cx="2039814" cy="1635369"/>
           </a:xfrm>
           <a:prstGeom prst="rect">
             <a:avLst/>
           </a:prstGeom>
-          <a:noFill/>
-        </p:spPr>
-        <p:txBody>
-          <a:bodyPr wrap="square" rtlCol="0">
-            <a:spAutoFit/>
-          </a:bodyPr>
+          <a:solidFill>
+            <a:srgbClr val="0070C0"/>
+          </a:solidFill>
+          <a:ln>
+            <a:solidFill>
+              <a:srgbClr val="0070C0"/>
+            </a:solidFill>
+          </a:ln>
+        </p:spPr>
+        <p:style>
+          <a:lnRef idx="2">
+            <a:schemeClr val="accent1">
+              <a:shade val="50000"/>
+            </a:schemeClr>
+          </a:lnRef>
+          <a:fillRef idx="1">
+            <a:schemeClr val="accent1"/>
+          </a:fillRef>
+          <a:effectRef idx="0">
+            <a:schemeClr val="accent1"/>
+          </a:effectRef>
+          <a:fontRef idx="minor">
+            <a:schemeClr val="lt1"/>
+          </a:fontRef>
+        </p:style>
+        <p:txBody>
+          <a:bodyPr rtlCol="0" anchor="ctr"/>
           <a:lstStyle/>
           <a:p>
-            <a:pPr marL="285750" indent="-285750">
-              <a:buFont typeface="Arial"/>
-              <a:buChar char="•"/>
-            </a:pPr>
             <a:r>
-              <a:rPr lang="en-GB" dirty="0" smtClean="0"/>
-              <a:t>Session storage</a:t>
+              <a:rPr lang="en-US" b="1" dirty="0" smtClean="0"/>
+              <a:t>Data can only be stored as key value pairs</a:t>
             </a:r>
-            <a:endParaRPr lang="en-GB" dirty="0"/>
+          </a:p>
+          <a:p>
+            <a:r>
+              <a:rPr lang="en-US" b="1" dirty="0" smtClean="0"/>
+              <a:t>(Blog Title, Content)</a:t>
+            </a:r>
+          </a:p>
+        </p:txBody>
+      </p:sp>
+      <p:sp>
+        <p:nvSpPr>
+          <p:cNvPr id="7" name="Teardrop 6"/>
+          <p:cNvSpPr/>
+          <p:nvPr/>
+        </p:nvSpPr>
+        <p:spPr>
+          <a:xfrm>
+            <a:off x="6268915" y="3244362"/>
+            <a:ext cx="1925516" cy="1418854"/>
+          </a:xfrm>
+          <a:prstGeom prst="teardrop">
+            <a:avLst/>
+          </a:prstGeom>
+          <a:solidFill>
+            <a:schemeClr val="accent6">
+              <a:lumMod val="50000"/>
+            </a:schemeClr>
+          </a:solidFill>
+        </p:spPr>
+        <p:style>
+          <a:lnRef idx="2">
+            <a:schemeClr val="accent1">
+              <a:shade val="50000"/>
+            </a:schemeClr>
+          </a:lnRef>
+          <a:fillRef idx="1">
+            <a:schemeClr val="accent1"/>
+          </a:fillRef>
+          <a:effectRef idx="0">
+            <a:schemeClr val="accent1"/>
+          </a:effectRef>
+          <a:fontRef idx="minor">
+            <a:schemeClr val="lt1"/>
+          </a:fontRef>
+        </p:style>
+        <p:txBody>
+          <a:bodyPr rtlCol="0" anchor="ctr"/>
+          <a:lstStyle/>
+          <a:p>
+            <a:r>
+              <a:rPr lang="en-US" b="1" dirty="0" smtClean="0"/>
+              <a:t>Solution : Store data in an array</a:t>
+            </a:r>
           </a:p>
         </p:txBody>
       </p:sp>
     </p:spTree>
     <p:extLst>
       <p:ext uri="{BB962C8B-B14F-4D97-AF65-F5344CB8AC3E}">
-        <p14:creationId xmlns:p14="http://schemas.microsoft.com/office/powerpoint/2010/main" val="3733304633"/>
+        <p14:creationId xmlns="" xmlns:p14="http://schemas.microsoft.com/office/powerpoint/2010/main" val="591382470"/>
       </p:ext>
     </p:extLst>
   </p:cSld>
@@ -5955,10 +6939,6 @@
           </p:nvPr>
         </p:nvSpPr>
         <p:spPr>
-          <a:xfrm>
-            <a:off x="311700" y="445025"/>
-            <a:ext cx="8520600" cy="572700"/>
-          </a:xfrm>
           <a:prstGeom prst="rect">
             <a:avLst/>
           </a:prstGeom>
@@ -5971,13 +6951,13 @@
           <a:p>
             <a:pPr lvl="0"/>
             <a:r>
-              <a:rPr lang="de" dirty="0">
+              <a:rPr lang="de" dirty="0" smtClean="0">
                 <a:latin typeface="Montserrat"/>
                 <a:ea typeface="Montserrat"/>
                 <a:cs typeface="Montserrat"/>
                 <a:sym typeface="Montserrat"/>
               </a:rPr>
-              <a:t>NOSQL Databses: Neo4j</a:t>
+              <a:t>Redis : Problems Encountered</a:t>
             </a:r>
             <a:endParaRPr lang="de" dirty="0">
               <a:latin typeface="Montserrat"/>
@@ -5990,6 +6970,52 @@
       </p:sp>
       <p:sp>
         <p:nvSpPr>
+          <p:cNvPr id="4" name="Text Placeholder 3"/>
+          <p:cNvSpPr>
+            <a:spLocks noGrp="1"/>
+          </p:cNvSpPr>
+          <p:nvPr>
+            <p:ph type="body" idx="1"/>
+          </p:nvPr>
+        </p:nvSpPr>
+        <p:spPr>
+          <a:xfrm>
+            <a:off x="500557" y="1246816"/>
+            <a:ext cx="8520600" cy="3416400"/>
+          </a:xfrm>
+        </p:spPr>
+        <p:txBody>
+          <a:bodyPr/>
+          <a:lstStyle/>
+          <a:p>
+            <a:r>
+              <a:rPr lang="en-US" b="1" dirty="0" smtClean="0"/>
+              <a:t> </a:t>
+            </a:r>
+          </a:p>
+          <a:p>
+            <a:endParaRPr lang="en-US" b="1" dirty="0" smtClean="0"/>
+          </a:p>
+          <a:p>
+            <a:endParaRPr lang="en-US" b="1" dirty="0" smtClean="0"/>
+          </a:p>
+          <a:p>
+            <a:endParaRPr lang="en-US" b="1" dirty="0" smtClean="0"/>
+          </a:p>
+          <a:p>
+            <a:endParaRPr lang="en-US" b="1" dirty="0" smtClean="0"/>
+          </a:p>
+          <a:p>
+            <a:pPr>
+              <a:buFont typeface="Arial" pitchFamily="34" charset="0"/>
+              <a:buChar char="•"/>
+            </a:pPr>
+            <a:endParaRPr lang="en-US" b="1" dirty="0"/>
+          </a:p>
+        </p:txBody>
+      </p:sp>
+      <p:sp>
+        <p:nvSpPr>
           <p:cNvPr id="121" name="Shape 121"/>
           <p:cNvSpPr txBox="1">
             <a:spLocks noGrp="1"/>
@@ -5999,10 +7025,6 @@
           </p:nvPr>
         </p:nvSpPr>
         <p:spPr>
-          <a:xfrm>
-            <a:off x="8472457" y="4663216"/>
-            <a:ext cx="548700" cy="393600"/>
-          </a:xfrm>
           <a:prstGeom prst="rect">
             <a:avLst/>
           </a:prstGeom>
@@ -6021,6 +7043,12 @@
             </a:pPr>
             <a:fld id="{00000000-1234-1234-1234-123412341234}" type="slidenum">
               <a:rPr lang="de"/>
+              <a:pPr lvl="0" rtl="0">
+                <a:spcBef>
+                  <a:spcPts val="0"/>
+                </a:spcBef>
+                <a:buNone/>
+              </a:pPr>
               <a:t>8</a:t>
             </a:fld>
             <a:endParaRPr lang="de"/>
@@ -6029,42 +7057,168 @@
       </p:sp>
       <p:sp>
         <p:nvSpPr>
-          <p:cNvPr id="3" name="TextBox 2"/>
-          <p:cNvSpPr txBox="1"/>
+          <p:cNvPr id="5" name="Oval 4"/>
+          <p:cNvSpPr/>
           <p:nvPr/>
         </p:nvSpPr>
         <p:spPr>
           <a:xfrm>
-            <a:off x="311700" y="1184492"/>
-            <a:ext cx="5612904" cy="307777"/>
+            <a:off x="3521320" y="1982664"/>
+            <a:ext cx="2576146" cy="1872761"/>
+          </a:xfrm>
+          <a:prstGeom prst="ellipse">
+            <a:avLst/>
+          </a:prstGeom>
+          <a:solidFill>
+            <a:srgbClr val="7030A0"/>
+          </a:solidFill>
+        </p:spPr>
+        <p:style>
+          <a:lnRef idx="2">
+            <a:schemeClr val="accent1">
+              <a:shade val="50000"/>
+            </a:schemeClr>
+          </a:lnRef>
+          <a:fillRef idx="1">
+            <a:schemeClr val="accent1"/>
+          </a:fillRef>
+          <a:effectRef idx="0">
+            <a:schemeClr val="accent1"/>
+          </a:effectRef>
+          <a:fontRef idx="minor">
+            <a:schemeClr val="lt1"/>
+          </a:fontRef>
+        </p:style>
+        <p:txBody>
+          <a:bodyPr rtlCol="0" anchor="ctr"/>
+          <a:lstStyle/>
+          <a:p>
+            <a:r>
+              <a:rPr lang="en-US" b="1" dirty="0" smtClean="0">
+                <a:latin typeface="+mj-lt"/>
+              </a:rPr>
+              <a:t>Open issue in </a:t>
+            </a:r>
+            <a:r>
+              <a:rPr lang="en-US" b="1" dirty="0" err="1" smtClean="0">
+                <a:latin typeface="+mj-lt"/>
+              </a:rPr>
+              <a:t>Redis</a:t>
+            </a:r>
+            <a:r>
+              <a:rPr lang="en-US" b="1" dirty="0" smtClean="0">
+                <a:latin typeface="+mj-lt"/>
+              </a:rPr>
+              <a:t> where first time array returns a blank value </a:t>
+            </a:r>
+            <a:endParaRPr lang="en-US" b="1" dirty="0">
+              <a:latin typeface="+mj-lt"/>
+            </a:endParaRPr>
+          </a:p>
+        </p:txBody>
+      </p:sp>
+      <p:sp>
+        <p:nvSpPr>
+          <p:cNvPr id="6" name="Rectangle 5"/>
+          <p:cNvSpPr/>
+          <p:nvPr/>
+        </p:nvSpPr>
+        <p:spPr>
+          <a:xfrm>
+            <a:off x="773723" y="1283676"/>
+            <a:ext cx="2224454" cy="1635369"/>
           </a:xfrm>
           <a:prstGeom prst="rect">
             <a:avLst/>
           </a:prstGeom>
-          <a:noFill/>
-        </p:spPr>
-        <p:txBody>
-          <a:bodyPr wrap="square" rtlCol="0">
-            <a:spAutoFit/>
-          </a:bodyPr>
+          <a:solidFill>
+            <a:srgbClr val="0070C0"/>
+          </a:solidFill>
+          <a:ln>
+            <a:solidFill>
+              <a:srgbClr val="0070C0"/>
+            </a:solidFill>
+          </a:ln>
+        </p:spPr>
+        <p:style>
+          <a:lnRef idx="2">
+            <a:schemeClr val="accent1">
+              <a:shade val="50000"/>
+            </a:schemeClr>
+          </a:lnRef>
+          <a:fillRef idx="1">
+            <a:schemeClr val="accent1"/>
+          </a:fillRef>
+          <a:effectRef idx="0">
+            <a:schemeClr val="accent1"/>
+          </a:effectRef>
+          <a:fontRef idx="minor">
+            <a:schemeClr val="lt1"/>
+          </a:fontRef>
+        </p:style>
+        <p:txBody>
+          <a:bodyPr rtlCol="0" anchor="ctr"/>
           <a:lstStyle/>
           <a:p>
-            <a:pPr marL="285750" indent="-285750">
-              <a:buFont typeface="Arial"/>
-              <a:buChar char="•"/>
-            </a:pPr>
             <a:r>
-              <a:rPr lang="en-GB" dirty="0" smtClean="0"/>
-              <a:t>Recommendation</a:t>
+              <a:rPr lang="en-US" b="1" dirty="0" smtClean="0"/>
+              <a:t>Unable to show latest blogs on screen when opens application first time</a:t>
             </a:r>
-            <a:endParaRPr lang="en-GB" dirty="0"/>
+            <a:endParaRPr lang="en-US" dirty="0" smtClean="0"/>
+          </a:p>
+        </p:txBody>
+      </p:sp>
+      <p:sp>
+        <p:nvSpPr>
+          <p:cNvPr id="7" name="Teardrop 6"/>
+          <p:cNvSpPr/>
+          <p:nvPr/>
+        </p:nvSpPr>
+        <p:spPr>
+          <a:xfrm>
+            <a:off x="6268915" y="3244362"/>
+            <a:ext cx="1925516" cy="1418854"/>
+          </a:xfrm>
+          <a:prstGeom prst="teardrop">
+            <a:avLst/>
+          </a:prstGeom>
+          <a:solidFill>
+            <a:schemeClr val="accent6">
+              <a:lumMod val="50000"/>
+            </a:schemeClr>
+          </a:solidFill>
+        </p:spPr>
+        <p:style>
+          <a:lnRef idx="2">
+            <a:schemeClr val="accent1">
+              <a:shade val="50000"/>
+            </a:schemeClr>
+          </a:lnRef>
+          <a:fillRef idx="1">
+            <a:schemeClr val="accent1"/>
+          </a:fillRef>
+          <a:effectRef idx="0">
+            <a:schemeClr val="accent1"/>
+          </a:effectRef>
+          <a:fontRef idx="minor">
+            <a:schemeClr val="lt1"/>
+          </a:fontRef>
+        </p:style>
+        <p:txBody>
+          <a:bodyPr rtlCol="0" anchor="ctr"/>
+          <a:lstStyle/>
+          <a:p>
+            <a:r>
+              <a:rPr lang="en-US" b="1" dirty="0" smtClean="0"/>
+              <a:t>Temporary Solution: Added an extra reload on main page </a:t>
+            </a:r>
           </a:p>
         </p:txBody>
       </p:sp>
     </p:spTree>
     <p:extLst>
       <p:ext uri="{BB962C8B-B14F-4D97-AF65-F5344CB8AC3E}">
-        <p14:creationId xmlns:p14="http://schemas.microsoft.com/office/powerpoint/2010/main" val="280105268"/>
+        <p14:creationId xmlns="" xmlns:p14="http://schemas.microsoft.com/office/powerpoint/2010/main" val="591382470"/>
       </p:ext>
     </p:extLst>
   </p:cSld>
@@ -6107,16 +7261,20 @@
           <a:lstStyle/>
           <a:p>
             <a:r>
-              <a:rPr lang="en-GB" dirty="0" smtClean="0"/>
-              <a:t>Live demo</a:t>
+              <a:rPr lang="en-US" dirty="0" smtClean="0"/>
+              <a:t>Advantages of Using </a:t>
             </a:r>
-            <a:endParaRPr lang="en-GB" dirty="0"/>
-          </a:p>
-        </p:txBody>
-      </p:sp>
-      <p:sp>
-        <p:nvSpPr>
-          <p:cNvPr id="3" name="Slide Number Placeholder 2"/>
+            <a:r>
+              <a:rPr lang="en-US" dirty="0" err="1" smtClean="0"/>
+              <a:t>Redis</a:t>
+            </a:r>
+            <a:endParaRPr lang="en-US" dirty="0"/>
+          </a:p>
+        </p:txBody>
+      </p:sp>
+      <p:sp>
+        <p:nvSpPr>
+          <p:cNvPr id="4" name="Slide Number Placeholder 3"/>
           <p:cNvSpPr>
             <a:spLocks noGrp="1"/>
           </p:cNvSpPr>
@@ -6137,18 +7295,166 @@
             </a:pPr>
             <a:fld id="{00000000-1234-1234-1234-123412341234}" type="slidenum">
               <a:rPr lang="de" smtClean="0"/>
+              <a:pPr lvl="0">
+                <a:spcBef>
+                  <a:spcPts val="0"/>
+                </a:spcBef>
+                <a:buNone/>
+              </a:pPr>
               <a:t>9</a:t>
             </a:fld>
             <a:endParaRPr lang="de"/>
           </a:p>
         </p:txBody>
       </p:sp>
+      <p:sp>
+        <p:nvSpPr>
+          <p:cNvPr id="5" name="Oval 4"/>
+          <p:cNvSpPr/>
+          <p:nvPr/>
+        </p:nvSpPr>
+        <p:spPr>
+          <a:xfrm>
+            <a:off x="3050931" y="3068515"/>
+            <a:ext cx="2400299" cy="1776047"/>
+          </a:xfrm>
+          <a:prstGeom prst="ellipse">
+            <a:avLst/>
+          </a:prstGeom>
+          <a:solidFill>
+            <a:schemeClr val="accent6">
+              <a:lumMod val="50000"/>
+            </a:schemeClr>
+          </a:solidFill>
+        </p:spPr>
+        <p:style>
+          <a:lnRef idx="2">
+            <a:schemeClr val="accent1">
+              <a:shade val="50000"/>
+            </a:schemeClr>
+          </a:lnRef>
+          <a:fillRef idx="1">
+            <a:schemeClr val="accent1"/>
+          </a:fillRef>
+          <a:effectRef idx="0">
+            <a:schemeClr val="accent1"/>
+          </a:effectRef>
+          <a:fontRef idx="minor">
+            <a:schemeClr val="lt1"/>
+          </a:fontRef>
+        </p:style>
+        <p:txBody>
+          <a:bodyPr rtlCol="0" anchor="ctr"/>
+          <a:lstStyle/>
+          <a:p>
+            <a:pPr algn="ctr"/>
+            <a:r>
+              <a:rPr lang="en-US" dirty="0" smtClean="0"/>
+              <a:t>Future advancements in application can add more complex data types like list, sets etc </a:t>
+            </a:r>
+            <a:endParaRPr lang="en-US" dirty="0"/>
+          </a:p>
+        </p:txBody>
+      </p:sp>
+      <p:sp>
+        <p:nvSpPr>
+          <p:cNvPr id="6" name="Oval 5"/>
+          <p:cNvSpPr/>
+          <p:nvPr/>
+        </p:nvSpPr>
+        <p:spPr>
+          <a:xfrm>
+            <a:off x="715107" y="1421421"/>
+            <a:ext cx="2019300" cy="1647091"/>
+          </a:xfrm>
+          <a:prstGeom prst="ellipse">
+            <a:avLst/>
+          </a:prstGeom>
+          <a:solidFill>
+            <a:schemeClr val="accent6">
+              <a:lumMod val="50000"/>
+            </a:schemeClr>
+          </a:solidFill>
+        </p:spPr>
+        <p:style>
+          <a:lnRef idx="2">
+            <a:schemeClr val="accent1">
+              <a:shade val="50000"/>
+            </a:schemeClr>
+          </a:lnRef>
+          <a:fillRef idx="1">
+            <a:schemeClr val="accent1"/>
+          </a:fillRef>
+          <a:effectRef idx="0">
+            <a:schemeClr val="accent1"/>
+          </a:effectRef>
+          <a:fontRef idx="minor">
+            <a:schemeClr val="lt1"/>
+          </a:fontRef>
+        </p:style>
+        <p:txBody>
+          <a:bodyPr rtlCol="0" anchor="ctr"/>
+          <a:lstStyle/>
+          <a:p>
+            <a:pPr algn="ctr"/>
+            <a:r>
+              <a:rPr lang="en-US" dirty="0" smtClean="0"/>
+              <a:t>Fast retrieval of blog data as compared to Mongo</a:t>
+            </a:r>
+            <a:endParaRPr lang="en-US" dirty="0"/>
+          </a:p>
+        </p:txBody>
+      </p:sp>
+      <p:sp>
+        <p:nvSpPr>
+          <p:cNvPr id="7" name="Oval 6"/>
+          <p:cNvSpPr/>
+          <p:nvPr/>
+        </p:nvSpPr>
+        <p:spPr>
+          <a:xfrm>
+            <a:off x="5662246" y="1570891"/>
+            <a:ext cx="1907931" cy="1647093"/>
+          </a:xfrm>
+          <a:prstGeom prst="ellipse">
+            <a:avLst/>
+          </a:prstGeom>
+          <a:solidFill>
+            <a:schemeClr val="accent6">
+              <a:lumMod val="50000"/>
+            </a:schemeClr>
+          </a:solidFill>
+        </p:spPr>
+        <p:style>
+          <a:lnRef idx="2">
+            <a:schemeClr val="accent1">
+              <a:shade val="50000"/>
+            </a:schemeClr>
+          </a:lnRef>
+          <a:fillRef idx="1">
+            <a:schemeClr val="accent1"/>
+          </a:fillRef>
+          <a:effectRef idx="0">
+            <a:schemeClr val="accent1"/>
+          </a:effectRef>
+          <a:fontRef idx="minor">
+            <a:schemeClr val="lt1"/>
+          </a:fontRef>
+        </p:style>
+        <p:txBody>
+          <a:bodyPr rtlCol="0" anchor="ctr"/>
+          <a:lstStyle/>
+          <a:p>
+            <a:pPr algn="ctr"/>
+            <a:r>
+              <a:rPr lang="en-US" dirty="0" smtClean="0"/>
+              <a:t>Supporting wide variety of data types </a:t>
+            </a:r>
+            <a:endParaRPr lang="en-US" dirty="0"/>
+          </a:p>
+        </p:txBody>
+      </p:sp>
     </p:spTree>
-    <p:extLst>
-      <p:ext uri="{BB962C8B-B14F-4D97-AF65-F5344CB8AC3E}">
-        <p14:creationId xmlns:p14="http://schemas.microsoft.com/office/powerpoint/2010/main" val="1930402515"/>
-      </p:ext>
-    </p:extLst>
   </p:cSld>
   <p:clrMapOvr>
     <a:masterClrMapping/>

--- a/presentation/Presentation 2.pptx
+++ b/presentation/Presentation 2.pptx
@@ -5,7 +5,7 @@
     <p:sldMasterId id="2147483659" r:id="rId1"/>
   </p:sldMasterIdLst>
   <p:notesMasterIdLst>
-    <p:notesMasterId r:id="rId12"/>
+    <p:notesMasterId r:id="rId15"/>
   </p:notesMasterIdLst>
   <p:sldIdLst>
     <p:sldId id="256" r:id="rId2"/>
@@ -14,10 +14,13 @@
     <p:sldId id="271" r:id="rId5"/>
     <p:sldId id="272" r:id="rId6"/>
     <p:sldId id="273" r:id="rId7"/>
-    <p:sldId id="274" r:id="rId8"/>
-    <p:sldId id="275" r:id="rId9"/>
-    <p:sldId id="277" r:id="rId10"/>
-    <p:sldId id="270" r:id="rId11"/>
+    <p:sldId id="278" r:id="rId8"/>
+    <p:sldId id="281" r:id="rId9"/>
+    <p:sldId id="279" r:id="rId10"/>
+    <p:sldId id="274" r:id="rId11"/>
+    <p:sldId id="275" r:id="rId12"/>
+    <p:sldId id="277" r:id="rId13"/>
+    <p:sldId id="270" r:id="rId14"/>
   </p:sldIdLst>
   <p:sldSz cx="9144000" cy="5143500" type="screen16x9"/>
   <p:notesSz cx="6858000" cy="9144000"/>
@@ -388,7 +391,7 @@
     </p:spTree>
     <p:extLst>
       <p:ext uri="{BB962C8B-B14F-4D97-AF65-F5344CB8AC3E}">
-        <p14:creationId xmlns:p14="http://schemas.microsoft.com/office/powerpoint/2010/main" val="4069305370"/>
+        <p14:creationId xmlns:p14="http://schemas.microsoft.com/office/powerpoint/2010/main" xmlns="" val="4069305370"/>
       </p:ext>
     </p:extLst>
   </p:cSld>
@@ -589,6 +592,208 @@
 </p:notes>
 </file>
 
+<file path=ppt/notesSlides/notesSlide10.xml><?xml version="1.0" encoding="utf-8"?>
+<p:notes xmlns:a="http://schemas.openxmlformats.org/drawingml/2006/main" xmlns:r="http://schemas.openxmlformats.org/officeDocument/2006/relationships" xmlns:p="http://schemas.openxmlformats.org/presentationml/2006/main" showMasterSp="0" showMasterPhAnim="0">
+  <p:cSld>
+    <p:spTree>
+      <p:nvGrpSpPr>
+        <p:cNvPr id="1" name="Shape 116"/>
+        <p:cNvGrpSpPr/>
+        <p:nvPr/>
+      </p:nvGrpSpPr>
+      <p:grpSpPr>
+        <a:xfrm>
+          <a:off x="0" y="0"/>
+          <a:ext cx="0" cy="0"/>
+          <a:chOff x="0" y="0"/>
+          <a:chExt cx="0" cy="0"/>
+        </a:xfrm>
+      </p:grpSpPr>
+      <p:sp>
+        <p:nvSpPr>
+          <p:cNvPr id="117" name="Shape 117"/>
+          <p:cNvSpPr>
+            <a:spLocks noGrp="1" noRot="1" noChangeAspect="1"/>
+          </p:cNvSpPr>
+          <p:nvPr>
+            <p:ph type="sldImg" idx="2"/>
+          </p:nvPr>
+        </p:nvSpPr>
+        <p:spPr>
+          <a:xfrm>
+            <a:off x="381000" y="685800"/>
+            <a:ext cx="6096000" cy="3429000"/>
+          </a:xfrm>
+          <a:custGeom>
+            <a:avLst/>
+            <a:gdLst/>
+            <a:ahLst/>
+            <a:cxnLst/>
+            <a:rect l="0" t="0" r="0" b="0"/>
+            <a:pathLst>
+              <a:path w="120000" h="120000" extrusionOk="0">
+                <a:moveTo>
+                  <a:pt x="0" y="0"/>
+                </a:moveTo>
+                <a:lnTo>
+                  <a:pt x="120000" y="0"/>
+                </a:lnTo>
+                <a:lnTo>
+                  <a:pt x="120000" y="120000"/>
+                </a:lnTo>
+                <a:lnTo>
+                  <a:pt x="0" y="120000"/>
+                </a:lnTo>
+                <a:close/>
+              </a:path>
+            </a:pathLst>
+          </a:custGeom>
+        </p:spPr>
+      </p:sp>
+      <p:sp>
+        <p:nvSpPr>
+          <p:cNvPr id="118" name="Shape 118"/>
+          <p:cNvSpPr txBox="1">
+            <a:spLocks noGrp="1"/>
+          </p:cNvSpPr>
+          <p:nvPr>
+            <p:ph type="body" idx="1"/>
+          </p:nvPr>
+        </p:nvSpPr>
+        <p:spPr>
+          <a:xfrm>
+            <a:off x="685800" y="4343400"/>
+            <a:ext cx="5486400" cy="4114800"/>
+          </a:xfrm>
+          <a:prstGeom prst="rect">
+            <a:avLst/>
+          </a:prstGeom>
+        </p:spPr>
+        <p:txBody>
+          <a:bodyPr lIns="91425" tIns="91425" rIns="91425" bIns="91425" anchor="t" anchorCtr="0">
+            <a:noAutofit/>
+          </a:bodyPr>
+          <a:lstStyle/>
+          <a:p>
+            <a:pPr lvl="0" rtl="0">
+              <a:spcBef>
+                <a:spcPts val="0"/>
+              </a:spcBef>
+              <a:buNone/>
+            </a:pPr>
+            <a:endParaRPr/>
+          </a:p>
+        </p:txBody>
+      </p:sp>
+    </p:spTree>
+  </p:cSld>
+  <p:clrMapOvr>
+    <a:masterClrMapping/>
+  </p:clrMapOvr>
+</p:notes>
+</file>
+
+<file path=ppt/notesSlides/notesSlide11.xml><?xml version="1.0" encoding="utf-8"?>
+<p:notes xmlns:a="http://schemas.openxmlformats.org/drawingml/2006/main" xmlns:r="http://schemas.openxmlformats.org/officeDocument/2006/relationships" xmlns:p="http://schemas.openxmlformats.org/presentationml/2006/main" showMasterSp="0" showMasterPhAnim="0">
+  <p:cSld>
+    <p:spTree>
+      <p:nvGrpSpPr>
+        <p:cNvPr id="1" name="Shape 166"/>
+        <p:cNvGrpSpPr/>
+        <p:nvPr/>
+      </p:nvGrpSpPr>
+      <p:grpSpPr>
+        <a:xfrm>
+          <a:off x="0" y="0"/>
+          <a:ext cx="0" cy="0"/>
+          <a:chOff x="0" y="0"/>
+          <a:chExt cx="0" cy="0"/>
+        </a:xfrm>
+      </p:grpSpPr>
+      <p:sp>
+        <p:nvSpPr>
+          <p:cNvPr id="167" name="Shape 167"/>
+          <p:cNvSpPr>
+            <a:spLocks noGrp="1" noRot="1" noChangeAspect="1"/>
+          </p:cNvSpPr>
+          <p:nvPr>
+            <p:ph type="sldImg" idx="2"/>
+          </p:nvPr>
+        </p:nvSpPr>
+        <p:spPr>
+          <a:xfrm>
+            <a:off x="381000" y="685800"/>
+            <a:ext cx="6096000" cy="3429000"/>
+          </a:xfrm>
+          <a:custGeom>
+            <a:avLst/>
+            <a:gdLst/>
+            <a:ahLst/>
+            <a:cxnLst/>
+            <a:rect l="0" t="0" r="0" b="0"/>
+            <a:pathLst>
+              <a:path w="120000" h="120000" extrusionOk="0">
+                <a:moveTo>
+                  <a:pt x="0" y="0"/>
+                </a:moveTo>
+                <a:lnTo>
+                  <a:pt x="120000" y="0"/>
+                </a:lnTo>
+                <a:lnTo>
+                  <a:pt x="120000" y="120000"/>
+                </a:lnTo>
+                <a:lnTo>
+                  <a:pt x="0" y="120000"/>
+                </a:lnTo>
+                <a:close/>
+              </a:path>
+            </a:pathLst>
+          </a:custGeom>
+        </p:spPr>
+      </p:sp>
+      <p:sp>
+        <p:nvSpPr>
+          <p:cNvPr id="168" name="Shape 168"/>
+          <p:cNvSpPr txBox="1">
+            <a:spLocks noGrp="1"/>
+          </p:cNvSpPr>
+          <p:nvPr>
+            <p:ph type="body" idx="1"/>
+          </p:nvPr>
+        </p:nvSpPr>
+        <p:spPr>
+          <a:xfrm>
+            <a:off x="685800" y="4343400"/>
+            <a:ext cx="5486400" cy="4114800"/>
+          </a:xfrm>
+          <a:prstGeom prst="rect">
+            <a:avLst/>
+          </a:prstGeom>
+        </p:spPr>
+        <p:txBody>
+          <a:bodyPr lIns="91425" tIns="91425" rIns="91425" bIns="91425" anchor="t" anchorCtr="0">
+            <a:noAutofit/>
+          </a:bodyPr>
+          <a:lstStyle/>
+          <a:p>
+            <a:pPr lvl="0">
+              <a:spcBef>
+                <a:spcPts val="0"/>
+              </a:spcBef>
+              <a:buNone/>
+            </a:pPr>
+            <a:endParaRPr/>
+          </a:p>
+        </p:txBody>
+      </p:sp>
+    </p:spTree>
+  </p:cSld>
+  <p:clrMapOvr>
+    <a:masterClrMapping/>
+  </p:clrMapOvr>
+</p:notes>
+</file>
+
 <file path=ppt/notesSlides/notesSlide2.xml><?xml version="1.0" encoding="utf-8"?>
 <p:notes xmlns:a="http://schemas.openxmlformats.org/drawingml/2006/main" xmlns:r="http://schemas.openxmlformats.org/officeDocument/2006/relationships" xmlns:p="http://schemas.openxmlformats.org/presentationml/2006/main" showMasterSp="0" showMasterPhAnim="0">
   <p:cSld>
@@ -1301,7 +1506,7 @@
   <p:cSld>
     <p:spTree>
       <p:nvGrpSpPr>
-        <p:cNvPr id="1" name="Shape 166"/>
+        <p:cNvPr id="1" name="Shape 116"/>
         <p:cNvGrpSpPr/>
         <p:nvPr/>
       </p:nvGrpSpPr>
@@ -1315,7 +1520,7 @@
       </p:grpSpPr>
       <p:sp>
         <p:nvSpPr>
-          <p:cNvPr id="167" name="Shape 167"/>
+          <p:cNvPr id="117" name="Shape 117"/>
           <p:cNvSpPr>
             <a:spLocks noGrp="1" noRot="1" noChangeAspect="1"/>
           </p:cNvSpPr>
@@ -1356,7 +1561,7 @@
       </p:sp>
       <p:sp>
         <p:nvSpPr>
-          <p:cNvPr id="168" name="Shape 168"/>
+          <p:cNvPr id="118" name="Shape 118"/>
           <p:cNvSpPr txBox="1">
             <a:spLocks noGrp="1"/>
           </p:cNvSpPr>
@@ -1379,7 +1584,7 @@
           </a:bodyPr>
           <a:lstStyle/>
           <a:p>
-            <a:pPr lvl="0">
+            <a:pPr lvl="0" rtl="0">
               <a:spcBef>
                 <a:spcPts val="0"/>
               </a:spcBef>
@@ -1692,6 +1897,12 @@
             </a:pPr>
             <a:fld id="{00000000-1234-1234-1234-123412341234}" type="slidenum">
               <a:rPr lang="de"/>
+              <a:pPr lvl="0">
+                <a:spcBef>
+                  <a:spcPts val="0"/>
+                </a:spcBef>
+                <a:buNone/>
+              </a:pPr>
               <a:t>‹#›</a:t>
             </a:fld>
             <a:endParaRPr lang="de"/>
@@ -1756,6 +1967,12 @@
             </a:pPr>
             <a:fld id="{00000000-1234-1234-1234-123412341234}" type="slidenum">
               <a:rPr lang="de"/>
+              <a:pPr lvl="0">
+                <a:spcBef>
+                  <a:spcPts val="0"/>
+                </a:spcBef>
+                <a:buNone/>
+              </a:pPr>
               <a:t>‹#›</a:t>
             </a:fld>
             <a:endParaRPr lang="de"/>
@@ -1911,6 +2128,12 @@
             </a:pPr>
             <a:fld id="{00000000-1234-1234-1234-123412341234}" type="slidenum">
               <a:rPr lang="de"/>
+              <a:pPr lvl="0">
+                <a:spcBef>
+                  <a:spcPts val="0"/>
+                </a:spcBef>
+                <a:buNone/>
+              </a:pPr>
               <a:t>‹#›</a:t>
             </a:fld>
             <a:endParaRPr lang="de"/>
@@ -2139,6 +2362,12 @@
             </a:pPr>
             <a:fld id="{00000000-1234-1234-1234-123412341234}" type="slidenum">
               <a:rPr lang="de"/>
+              <a:pPr lvl="0">
+                <a:spcBef>
+                  <a:spcPts val="0"/>
+                </a:spcBef>
+                <a:buNone/>
+              </a:pPr>
               <a:t>‹#›</a:t>
             </a:fld>
             <a:endParaRPr lang="de"/>
@@ -2467,6 +2696,12 @@
             </a:pPr>
             <a:fld id="{00000000-1234-1234-1234-123412341234}" type="slidenum">
               <a:rPr lang="de"/>
+              <a:pPr lvl="0">
+                <a:spcBef>
+                  <a:spcPts val="0"/>
+                </a:spcBef>
+                <a:buNone/>
+              </a:pPr>
               <a:t>‹#›</a:t>
             </a:fld>
             <a:endParaRPr lang="de"/>
@@ -2613,6 +2848,12 @@
             </a:pPr>
             <a:fld id="{00000000-1234-1234-1234-123412341234}" type="slidenum">
               <a:rPr lang="de"/>
+              <a:pPr lvl="0">
+                <a:spcBef>
+                  <a:spcPts val="0"/>
+                </a:spcBef>
+                <a:buNone/>
+              </a:pPr>
               <a:t>‹#›</a:t>
             </a:fld>
             <a:endParaRPr lang="de"/>
@@ -2859,6 +3100,12 @@
             </a:pPr>
             <a:fld id="{00000000-1234-1234-1234-123412341234}" type="slidenum">
               <a:rPr lang="de"/>
+              <a:pPr lvl="0">
+                <a:spcBef>
+                  <a:spcPts val="0"/>
+                </a:spcBef>
+                <a:buNone/>
+              </a:pPr>
               <a:t>‹#›</a:t>
             </a:fld>
             <a:endParaRPr lang="de"/>
@@ -3014,6 +3261,12 @@
             </a:pPr>
             <a:fld id="{00000000-1234-1234-1234-123412341234}" type="slidenum">
               <a:rPr lang="de"/>
+              <a:pPr lvl="0">
+                <a:spcBef>
+                  <a:spcPts val="0"/>
+                </a:spcBef>
+                <a:buNone/>
+              </a:pPr>
               <a:t>‹#›</a:t>
             </a:fld>
             <a:endParaRPr lang="de"/>
@@ -3119,6 +3372,12 @@
             </a:pPr>
             <a:fld id="{00000000-1234-1234-1234-123412341234}" type="slidenum">
               <a:rPr lang="de"/>
+              <a:pPr lvl="0">
+                <a:spcBef>
+                  <a:spcPts val="0"/>
+                </a:spcBef>
+                <a:buNone/>
+              </a:pPr>
               <a:t>‹#›</a:t>
             </a:fld>
             <a:endParaRPr lang="de"/>
@@ -3356,6 +3615,12 @@
             </a:pPr>
             <a:fld id="{00000000-1234-1234-1234-123412341234}" type="slidenum">
               <a:rPr lang="de"/>
+              <a:pPr lvl="0">
+                <a:spcBef>
+                  <a:spcPts val="0"/>
+                </a:spcBef>
+                <a:buNone/>
+              </a:pPr>
               <a:t>‹#›</a:t>
             </a:fld>
             <a:endParaRPr lang="de"/>
@@ -3807,6 +4072,12 @@
                   <a:schemeClr val="dk2"/>
                 </a:solidFill>
               </a:rPr>
+              <a:pPr lvl="0" algn="r">
+                <a:spcBef>
+                  <a:spcPts val="0"/>
+                </a:spcBef>
+                <a:buNone/>
+              </a:pPr>
               <a:t>‹#›</a:t>
             </a:fld>
             <a:endParaRPr lang="de" sz="1000">
@@ -3856,7 +4127,7 @@
           <a:blip r:embed="rId13">
             <a:extLst>
               <a:ext uri="{28A0092B-C50C-407E-A947-70E740481C1C}">
-                <a14:useLocalDpi xmlns:a14="http://schemas.microsoft.com/office/drawing/2010/main" val="0"/>
+                <a14:useLocalDpi xmlns:a14="http://schemas.microsoft.com/office/drawing/2010/main" xmlns="" val="0"/>
               </a:ext>
             </a:extLst>
           </a:blip>
@@ -4632,16 +4903,7 @@
                 <a:cs typeface="Open Sans"/>
                 <a:sym typeface="Open Sans"/>
               </a:rPr>
-              <a:t>10</a:t>
-            </a:r>
-            <a:r>
-              <a:rPr lang="de" dirty="0" smtClean="0">
-                <a:latin typeface="Open Sans"/>
-                <a:ea typeface="Open Sans"/>
-                <a:cs typeface="Open Sans"/>
-                <a:sym typeface="Open Sans"/>
-              </a:rPr>
-              <a:t>.07.2017</a:t>
+              <a:t>10.07.2017</a:t>
             </a:r>
             <a:r>
               <a:rPr lang="de" dirty="0">
@@ -4724,6 +4986,388 @@
 </file>
 
 <file path=ppt/slides/slide10.xml><?xml version="1.0" encoding="utf-8"?>
+<p:sld xmlns:a="http://schemas.openxmlformats.org/drawingml/2006/main" xmlns:r="http://schemas.openxmlformats.org/officeDocument/2006/relationships" xmlns:p="http://schemas.openxmlformats.org/presentationml/2006/main">
+  <p:cSld>
+    <p:spTree>
+      <p:nvGrpSpPr>
+        <p:cNvPr id="1" name="Shape 119"/>
+        <p:cNvGrpSpPr/>
+        <p:nvPr/>
+      </p:nvGrpSpPr>
+      <p:grpSpPr>
+        <a:xfrm>
+          <a:off x="0" y="0"/>
+          <a:ext cx="0" cy="0"/>
+          <a:chOff x="0" y="0"/>
+          <a:chExt cx="0" cy="0"/>
+        </a:xfrm>
+      </p:grpSpPr>
+      <p:sp>
+        <p:nvSpPr>
+          <p:cNvPr id="120" name="Shape 120"/>
+          <p:cNvSpPr txBox="1">
+            <a:spLocks noGrp="1"/>
+          </p:cNvSpPr>
+          <p:nvPr>
+            <p:ph type="title"/>
+          </p:nvPr>
+        </p:nvSpPr>
+        <p:spPr>
+          <a:xfrm>
+            <a:off x="311700" y="445025"/>
+            <a:ext cx="8520600" cy="572700"/>
+          </a:xfrm>
+          <a:prstGeom prst="rect">
+            <a:avLst/>
+          </a:prstGeom>
+        </p:spPr>
+        <p:txBody>
+          <a:bodyPr lIns="91425" tIns="91425" rIns="91425" bIns="91425" anchor="t" anchorCtr="0">
+            <a:noAutofit/>
+          </a:bodyPr>
+          <a:lstStyle/>
+          <a:p>
+            <a:pPr lvl="0"/>
+            <a:r>
+              <a:rPr lang="de" dirty="0">
+                <a:latin typeface="Montserrat"/>
+                <a:ea typeface="Montserrat"/>
+                <a:cs typeface="Montserrat"/>
+                <a:sym typeface="Montserrat"/>
+              </a:rPr>
+              <a:t>NOSQL Databses: RethinkDB</a:t>
+            </a:r>
+          </a:p>
+        </p:txBody>
+      </p:sp>
+      <p:sp>
+        <p:nvSpPr>
+          <p:cNvPr id="121" name="Shape 121"/>
+          <p:cNvSpPr txBox="1">
+            <a:spLocks noGrp="1"/>
+          </p:cNvSpPr>
+          <p:nvPr>
+            <p:ph type="sldNum" idx="12"/>
+          </p:nvPr>
+        </p:nvSpPr>
+        <p:spPr>
+          <a:xfrm>
+            <a:off x="8472457" y="4663216"/>
+            <a:ext cx="548700" cy="393600"/>
+          </a:xfrm>
+          <a:prstGeom prst="rect">
+            <a:avLst/>
+          </a:prstGeom>
+        </p:spPr>
+        <p:txBody>
+          <a:bodyPr lIns="91425" tIns="91425" rIns="91425" bIns="91425" anchor="ctr" anchorCtr="0">
+            <a:noAutofit/>
+          </a:bodyPr>
+          <a:lstStyle/>
+          <a:p>
+            <a:pPr lvl="0" rtl="0">
+              <a:spcBef>
+                <a:spcPts val="0"/>
+              </a:spcBef>
+              <a:buNone/>
+            </a:pPr>
+            <a:fld id="{00000000-1234-1234-1234-123412341234}" type="slidenum">
+              <a:rPr lang="de"/>
+              <a:pPr lvl="0" rtl="0">
+                <a:spcBef>
+                  <a:spcPts val="0"/>
+                </a:spcBef>
+                <a:buNone/>
+              </a:pPr>
+              <a:t>10</a:t>
+            </a:fld>
+            <a:endParaRPr lang="de"/>
+          </a:p>
+        </p:txBody>
+      </p:sp>
+      <p:sp>
+        <p:nvSpPr>
+          <p:cNvPr id="3" name="TextBox 2"/>
+          <p:cNvSpPr txBox="1"/>
+          <p:nvPr/>
+        </p:nvSpPr>
+        <p:spPr>
+          <a:xfrm>
+            <a:off x="311700" y="1184492"/>
+            <a:ext cx="5612904" cy="307777"/>
+          </a:xfrm>
+          <a:prstGeom prst="rect">
+            <a:avLst/>
+          </a:prstGeom>
+          <a:noFill/>
+        </p:spPr>
+        <p:txBody>
+          <a:bodyPr wrap="square" rtlCol="0">
+            <a:spAutoFit/>
+          </a:bodyPr>
+          <a:lstStyle/>
+          <a:p>
+            <a:pPr marL="285750" indent="-285750">
+              <a:buFont typeface="Arial"/>
+              <a:buChar char="•"/>
+            </a:pPr>
+            <a:r>
+              <a:rPr lang="en-GB" dirty="0" smtClean="0"/>
+              <a:t>Session storage</a:t>
+            </a:r>
+            <a:endParaRPr lang="en-GB" dirty="0"/>
+          </a:p>
+        </p:txBody>
+      </p:sp>
+    </p:spTree>
+    <p:extLst>
+      <p:ext uri="{BB962C8B-B14F-4D97-AF65-F5344CB8AC3E}">
+        <p14:creationId xmlns:p14="http://schemas.microsoft.com/office/powerpoint/2010/main" xmlns="" val="3733304633"/>
+      </p:ext>
+    </p:extLst>
+  </p:cSld>
+  <p:clrMapOvr>
+    <a:masterClrMapping/>
+  </p:clrMapOvr>
+</p:sld>
+</file>
+
+<file path=ppt/slides/slide11.xml><?xml version="1.0" encoding="utf-8"?>
+<p:sld xmlns:a="http://schemas.openxmlformats.org/drawingml/2006/main" xmlns:r="http://schemas.openxmlformats.org/officeDocument/2006/relationships" xmlns:p="http://schemas.openxmlformats.org/presentationml/2006/main">
+  <p:cSld>
+    <p:spTree>
+      <p:nvGrpSpPr>
+        <p:cNvPr id="1" name="Shape 119"/>
+        <p:cNvGrpSpPr/>
+        <p:nvPr/>
+      </p:nvGrpSpPr>
+      <p:grpSpPr>
+        <a:xfrm>
+          <a:off x="0" y="0"/>
+          <a:ext cx="0" cy="0"/>
+          <a:chOff x="0" y="0"/>
+          <a:chExt cx="0" cy="0"/>
+        </a:xfrm>
+      </p:grpSpPr>
+      <p:sp>
+        <p:nvSpPr>
+          <p:cNvPr id="120" name="Shape 120"/>
+          <p:cNvSpPr txBox="1">
+            <a:spLocks noGrp="1"/>
+          </p:cNvSpPr>
+          <p:nvPr>
+            <p:ph type="title"/>
+          </p:nvPr>
+        </p:nvSpPr>
+        <p:spPr>
+          <a:xfrm>
+            <a:off x="311700" y="445025"/>
+            <a:ext cx="8520600" cy="572700"/>
+          </a:xfrm>
+          <a:prstGeom prst="rect">
+            <a:avLst/>
+          </a:prstGeom>
+        </p:spPr>
+        <p:txBody>
+          <a:bodyPr lIns="91425" tIns="91425" rIns="91425" bIns="91425" anchor="t" anchorCtr="0">
+            <a:noAutofit/>
+          </a:bodyPr>
+          <a:lstStyle/>
+          <a:p>
+            <a:pPr lvl="0"/>
+            <a:r>
+              <a:rPr lang="de" dirty="0">
+                <a:latin typeface="Montserrat"/>
+                <a:ea typeface="Montserrat"/>
+                <a:cs typeface="Montserrat"/>
+                <a:sym typeface="Montserrat"/>
+              </a:rPr>
+              <a:t>NOSQL Databses: Neo4j</a:t>
+            </a:r>
+          </a:p>
+        </p:txBody>
+      </p:sp>
+      <p:sp>
+        <p:nvSpPr>
+          <p:cNvPr id="121" name="Shape 121"/>
+          <p:cNvSpPr txBox="1">
+            <a:spLocks noGrp="1"/>
+          </p:cNvSpPr>
+          <p:nvPr>
+            <p:ph type="sldNum" idx="12"/>
+          </p:nvPr>
+        </p:nvSpPr>
+        <p:spPr>
+          <a:xfrm>
+            <a:off x="8472457" y="4663216"/>
+            <a:ext cx="548700" cy="393600"/>
+          </a:xfrm>
+          <a:prstGeom prst="rect">
+            <a:avLst/>
+          </a:prstGeom>
+        </p:spPr>
+        <p:txBody>
+          <a:bodyPr lIns="91425" tIns="91425" rIns="91425" bIns="91425" anchor="ctr" anchorCtr="0">
+            <a:noAutofit/>
+          </a:bodyPr>
+          <a:lstStyle/>
+          <a:p>
+            <a:pPr lvl="0" rtl="0">
+              <a:spcBef>
+                <a:spcPts val="0"/>
+              </a:spcBef>
+              <a:buNone/>
+            </a:pPr>
+            <a:fld id="{00000000-1234-1234-1234-123412341234}" type="slidenum">
+              <a:rPr lang="de"/>
+              <a:pPr lvl="0" rtl="0">
+                <a:spcBef>
+                  <a:spcPts val="0"/>
+                </a:spcBef>
+                <a:buNone/>
+              </a:pPr>
+              <a:t>11</a:t>
+            </a:fld>
+            <a:endParaRPr lang="de"/>
+          </a:p>
+        </p:txBody>
+      </p:sp>
+      <p:sp>
+        <p:nvSpPr>
+          <p:cNvPr id="3" name="TextBox 2"/>
+          <p:cNvSpPr txBox="1"/>
+          <p:nvPr/>
+        </p:nvSpPr>
+        <p:spPr>
+          <a:xfrm>
+            <a:off x="311700" y="1184492"/>
+            <a:ext cx="5612904" cy="307777"/>
+          </a:xfrm>
+          <a:prstGeom prst="rect">
+            <a:avLst/>
+          </a:prstGeom>
+          <a:noFill/>
+        </p:spPr>
+        <p:txBody>
+          <a:bodyPr wrap="square" rtlCol="0">
+            <a:spAutoFit/>
+          </a:bodyPr>
+          <a:lstStyle/>
+          <a:p>
+            <a:pPr marL="285750" indent="-285750">
+              <a:buFont typeface="Arial"/>
+              <a:buChar char="•"/>
+            </a:pPr>
+            <a:r>
+              <a:rPr lang="en-GB" dirty="0" smtClean="0"/>
+              <a:t>Recommendation</a:t>
+            </a:r>
+            <a:endParaRPr lang="en-GB" dirty="0"/>
+          </a:p>
+        </p:txBody>
+      </p:sp>
+    </p:spTree>
+    <p:extLst>
+      <p:ext uri="{BB962C8B-B14F-4D97-AF65-F5344CB8AC3E}">
+        <p14:creationId xmlns:p14="http://schemas.microsoft.com/office/powerpoint/2010/main" xmlns="" val="280105268"/>
+      </p:ext>
+    </p:extLst>
+  </p:cSld>
+  <p:clrMapOvr>
+    <a:masterClrMapping/>
+  </p:clrMapOvr>
+</p:sld>
+</file>
+
+<file path=ppt/slides/slide12.xml><?xml version="1.0" encoding="utf-8"?>
+<p:sld xmlns:a="http://schemas.openxmlformats.org/drawingml/2006/main" xmlns:r="http://schemas.openxmlformats.org/officeDocument/2006/relationships" xmlns:p="http://schemas.openxmlformats.org/presentationml/2006/main">
+  <p:cSld>
+    <p:spTree>
+      <p:nvGrpSpPr>
+        <p:cNvPr id="1" name=""/>
+        <p:cNvGrpSpPr/>
+        <p:nvPr/>
+      </p:nvGrpSpPr>
+      <p:grpSpPr>
+        <a:xfrm>
+          <a:off x="0" y="0"/>
+          <a:ext cx="0" cy="0"/>
+          <a:chOff x="0" y="0"/>
+          <a:chExt cx="0" cy="0"/>
+        </a:xfrm>
+      </p:grpSpPr>
+      <p:sp>
+        <p:nvSpPr>
+          <p:cNvPr id="2" name="Title 1"/>
+          <p:cNvSpPr>
+            <a:spLocks noGrp="1"/>
+          </p:cNvSpPr>
+          <p:nvPr>
+            <p:ph type="title"/>
+          </p:nvPr>
+        </p:nvSpPr>
+        <p:spPr/>
+        <p:txBody>
+          <a:bodyPr/>
+          <a:lstStyle/>
+          <a:p>
+            <a:r>
+              <a:rPr lang="en-GB" dirty="0" smtClean="0"/>
+              <a:t>Live demo</a:t>
+            </a:r>
+            <a:endParaRPr lang="en-GB" dirty="0"/>
+          </a:p>
+        </p:txBody>
+      </p:sp>
+      <p:sp>
+        <p:nvSpPr>
+          <p:cNvPr id="3" name="Slide Number Placeholder 2"/>
+          <p:cNvSpPr>
+            <a:spLocks noGrp="1"/>
+          </p:cNvSpPr>
+          <p:nvPr>
+            <p:ph type="sldNum" idx="12"/>
+          </p:nvPr>
+        </p:nvSpPr>
+        <p:spPr/>
+        <p:txBody>
+          <a:bodyPr/>
+          <a:lstStyle/>
+          <a:p>
+            <a:pPr lvl="0">
+              <a:spcBef>
+                <a:spcPts val="0"/>
+              </a:spcBef>
+              <a:buNone/>
+            </a:pPr>
+            <a:fld id="{00000000-1234-1234-1234-123412341234}" type="slidenum">
+              <a:rPr lang="de" smtClean="0"/>
+              <a:pPr lvl="0">
+                <a:spcBef>
+                  <a:spcPts val="0"/>
+                </a:spcBef>
+                <a:buNone/>
+              </a:pPr>
+              <a:t>12</a:t>
+            </a:fld>
+            <a:endParaRPr lang="de"/>
+          </a:p>
+        </p:txBody>
+      </p:sp>
+    </p:spTree>
+    <p:extLst>
+      <p:ext uri="{BB962C8B-B14F-4D97-AF65-F5344CB8AC3E}">
+        <p14:creationId xmlns:p14="http://schemas.microsoft.com/office/powerpoint/2010/main" xmlns="" val="1930402515"/>
+      </p:ext>
+    </p:extLst>
+  </p:cSld>
+  <p:clrMapOvr>
+    <a:masterClrMapping/>
+  </p:clrMapOvr>
+</p:sld>
+</file>
+
+<file path=ppt/slides/slide13.xml><?xml version="1.0" encoding="utf-8"?>
 <p:sld xmlns:a="http://schemas.openxmlformats.org/drawingml/2006/main" xmlns:r="http://schemas.openxmlformats.org/officeDocument/2006/relationships" xmlns:p="http://schemas.openxmlformats.org/presentationml/2006/main">
   <p:cSld>
     <p:spTree>
@@ -4816,7 +5460,13 @@
             </a:pPr>
             <a:fld id="{00000000-1234-1234-1234-123412341234}" type="slidenum">
               <a:rPr lang="de"/>
-              <a:t>10</a:t>
+              <a:pPr lvl="0">
+                <a:spcBef>
+                  <a:spcPts val="0"/>
+                </a:spcBef>
+                <a:buNone/>
+              </a:pPr>
+              <a:t>13</a:t>
             </a:fld>
             <a:endParaRPr lang="de"/>
           </a:p>
@@ -4923,6 +5573,12 @@
             </a:pPr>
             <a:fld id="{00000000-1234-1234-1234-123412341234}" type="slidenum">
               <a:rPr lang="de"/>
+              <a:pPr lvl="0">
+                <a:spcBef>
+                  <a:spcPts val="0"/>
+                </a:spcBef>
+                <a:buNone/>
+              </a:pPr>
               <a:t>2</a:t>
             </a:fld>
             <a:endParaRPr lang="de"/>
@@ -5214,7 +5870,7 @@
                 <a:cs typeface="Montserrat"/>
                 <a:sym typeface="Montserrat"/>
               </a:rPr>
-              <a:t>Description</a:t>
+              <a:t>Application Architecture</a:t>
             </a:r>
             <a:endParaRPr lang="de" dirty="0">
               <a:latin typeface="Montserrat"/>
@@ -5258,72 +5914,51 @@
             </a:pPr>
             <a:fld id="{00000000-1234-1234-1234-123412341234}" type="slidenum">
               <a:rPr lang="de"/>
+              <a:pPr lvl="0" rtl="0">
+                <a:spcBef>
+                  <a:spcPts val="0"/>
+                </a:spcBef>
+                <a:buNone/>
+              </a:pPr>
               <a:t>3</a:t>
             </a:fld>
             <a:endParaRPr lang="de"/>
           </a:p>
         </p:txBody>
       </p:sp>
-      <p:sp>
-        <p:nvSpPr>
-          <p:cNvPr id="3" name="TextBox 2"/>
-          <p:cNvSpPr txBox="1"/>
+      <p:pic>
+        <p:nvPicPr>
+          <p:cNvPr id="1027" name="Picture 3"/>
+          <p:cNvPicPr>
+            <a:picLocks noChangeAspect="1" noChangeArrowheads="1"/>
+          </p:cNvPicPr>
           <p:nvPr/>
-        </p:nvSpPr>
-        <p:spPr>
-          <a:xfrm>
-            <a:off x="311700" y="1283202"/>
-            <a:ext cx="1531890" cy="307777"/>
+        </p:nvPicPr>
+        <p:blipFill>
+          <a:blip r:embed="rId3"/>
+          <a:srcRect/>
+          <a:stretch>
+            <a:fillRect/>
+          </a:stretch>
+        </p:blipFill>
+        <p:spPr bwMode="auto">
+          <a:xfrm>
+            <a:off x="780836" y="1017725"/>
+            <a:ext cx="6996701" cy="4044813"/>
           </a:xfrm>
           <a:prstGeom prst="rect">
             <a:avLst/>
           </a:prstGeom>
           <a:noFill/>
-        </p:spPr>
-        <p:txBody>
-          <a:bodyPr wrap="none" rtlCol="0">
-            <a:spAutoFit/>
-          </a:bodyPr>
-          <a:lstStyle/>
-          <a:p>
-            <a:r>
-              <a:rPr lang="en-GB" dirty="0" smtClean="0"/>
-              <a:t>Description to do</a:t>
-            </a:r>
-            <a:endParaRPr lang="en-GB" dirty="0"/>
-          </a:p>
-        </p:txBody>
-      </p:sp>
-      <p:sp>
-        <p:nvSpPr>
-          <p:cNvPr id="8" name="TextBox 7"/>
-          <p:cNvSpPr txBox="1"/>
-          <p:nvPr/>
-        </p:nvSpPr>
-        <p:spPr>
-          <a:xfrm>
-            <a:off x="4500852" y="1401651"/>
-            <a:ext cx="4178422" cy="307777"/>
-          </a:xfrm>
-          <a:prstGeom prst="rect">
-            <a:avLst/>
-          </a:prstGeom>
-          <a:noFill/>
-        </p:spPr>
-        <p:txBody>
-          <a:bodyPr wrap="square" rtlCol="0">
-            <a:spAutoFit/>
-          </a:bodyPr>
-          <a:lstStyle/>
-          <a:p>
-            <a:r>
-              <a:rPr lang="en-GB" dirty="0" smtClean="0"/>
-              <a:t>Here goes architecture diagram</a:t>
-            </a:r>
-            <a:endParaRPr lang="en-GB" dirty="0"/>
-          </a:p>
-        </p:txBody>
-      </p:sp>
+          <a:ln w="9525">
+            <a:noFill/>
+            <a:miter lim="800000"/>
+            <a:headEnd/>
+            <a:tailEnd/>
+          </a:ln>
+          <a:effectLst/>
+        </p:spPr>
+      </p:pic>
     </p:spTree>
   </p:cSld>
   <p:clrMapOvr>
@@ -5431,6 +6066,12 @@
             </a:pPr>
             <a:fld id="{00000000-1234-1234-1234-123412341234}" type="slidenum">
               <a:rPr lang="de"/>
+              <a:pPr lvl="0" rtl="0">
+                <a:spcBef>
+                  <a:spcPts val="0"/>
+                </a:spcBef>
+                <a:buNone/>
+              </a:pPr>
               <a:t>4</a:t>
             </a:fld>
             <a:endParaRPr lang="de"/>
@@ -5449,7 +6090,7 @@
           <a:blip r:embed="rId3">
             <a:extLst>
               <a:ext uri="{28A0092B-C50C-407E-A947-70E740481C1C}">
-                <a14:useLocalDpi xmlns:a14="http://schemas.microsoft.com/office/drawing/2010/main" val="0"/>
+                <a14:useLocalDpi xmlns:a14="http://schemas.microsoft.com/office/drawing/2010/main" xmlns="" val="0"/>
               </a:ext>
             </a:extLst>
           </a:blip>
@@ -5470,7 +6111,7 @@
     </p:spTree>
     <p:extLst>
       <p:ext uri="{BB962C8B-B14F-4D97-AF65-F5344CB8AC3E}">
-        <p14:creationId xmlns:p14="http://schemas.microsoft.com/office/powerpoint/2010/main" val="1804550380"/>
+        <p14:creationId xmlns:p14="http://schemas.microsoft.com/office/powerpoint/2010/main" xmlns="" val="1804550380"/>
       </p:ext>
     </p:extLst>
   </p:cSld>
@@ -5579,6 +6220,12 @@
             </a:pPr>
             <a:fld id="{00000000-1234-1234-1234-123412341234}" type="slidenum">
               <a:rPr lang="de"/>
+              <a:pPr lvl="0" rtl="0">
+                <a:spcBef>
+                  <a:spcPts val="0"/>
+                </a:spcBef>
+                <a:buNone/>
+              </a:pPr>
               <a:t>5</a:t>
             </a:fld>
             <a:endParaRPr lang="de"/>
@@ -5657,7 +6304,7 @@
     </p:spTree>
     <p:extLst>
       <p:ext uri="{BB962C8B-B14F-4D97-AF65-F5344CB8AC3E}">
-        <p14:creationId xmlns:p14="http://schemas.microsoft.com/office/powerpoint/2010/main" val="2271052915"/>
+        <p14:creationId xmlns:p14="http://schemas.microsoft.com/office/powerpoint/2010/main" xmlns="" val="2271052915"/>
       </p:ext>
     </p:extLst>
   </p:cSld>
@@ -5695,10 +6342,6 @@
           </p:nvPr>
         </p:nvSpPr>
         <p:spPr>
-          <a:xfrm>
-            <a:off x="311700" y="445025"/>
-            <a:ext cx="8520600" cy="572700"/>
-          </a:xfrm>
           <a:prstGeom prst="rect">
             <a:avLst/>
           </a:prstGeom>
@@ -5719,12 +6362,44 @@
               </a:rPr>
               <a:t>NOSQL Databses: Redis</a:t>
             </a:r>
-            <a:endParaRPr lang="de" dirty="0">
-              <a:latin typeface="Montserrat"/>
-              <a:ea typeface="Montserrat"/>
-              <a:cs typeface="Montserrat"/>
-              <a:sym typeface="Montserrat"/>
-            </a:endParaRPr>
+          </a:p>
+        </p:txBody>
+      </p:sp>
+      <p:sp>
+        <p:nvSpPr>
+          <p:cNvPr id="4" name="Text Placeholder 3"/>
+          <p:cNvSpPr>
+            <a:spLocks noGrp="1"/>
+          </p:cNvSpPr>
+          <p:nvPr>
+            <p:ph type="body" idx="1"/>
+          </p:nvPr>
+        </p:nvSpPr>
+        <p:spPr/>
+        <p:txBody>
+          <a:bodyPr/>
+          <a:lstStyle/>
+          <a:p>
+            <a:endParaRPr lang="en-US" dirty="0" smtClean="0"/>
+          </a:p>
+          <a:p>
+            <a:r>
+              <a:rPr lang="en-US" dirty="0" smtClean="0"/>
+              <a:t>	</a:t>
+            </a:r>
+          </a:p>
+          <a:p>
+            <a:pPr>
+              <a:buFont typeface="Arial" pitchFamily="34" charset="0"/>
+              <a:buChar char="•"/>
+            </a:pPr>
+            <a:endParaRPr lang="en-US" dirty="0" smtClean="0"/>
+          </a:p>
+          <a:p>
+            <a:endParaRPr lang="en-US" dirty="0" smtClean="0"/>
+          </a:p>
+          <a:p>
+            <a:endParaRPr lang="en-US" b="1" dirty="0"/>
           </a:p>
         </p:txBody>
       </p:sp>
@@ -5739,10 +6414,6 @@
           </p:nvPr>
         </p:nvSpPr>
         <p:spPr>
-          <a:xfrm>
-            <a:off x="8472457" y="4663216"/>
-            <a:ext cx="548700" cy="393600"/>
-          </a:xfrm>
           <a:prstGeom prst="rect">
             <a:avLst/>
           </a:prstGeom>
@@ -5761,22 +6432,162 @@
             </a:pPr>
             <a:fld id="{00000000-1234-1234-1234-123412341234}" type="slidenum">
               <a:rPr lang="de"/>
+              <a:pPr lvl="0" rtl="0">
+                <a:spcBef>
+                  <a:spcPts val="0"/>
+                </a:spcBef>
+                <a:buNone/>
+              </a:pPr>
               <a:t>6</a:t>
             </a:fld>
             <a:endParaRPr lang="de"/>
           </a:p>
         </p:txBody>
       </p:sp>
+      <p:sp>
+        <p:nvSpPr>
+          <p:cNvPr id="5" name="Rounded Rectangle 4"/>
+          <p:cNvSpPr/>
+          <p:nvPr/>
+        </p:nvSpPr>
+        <p:spPr>
+          <a:xfrm>
+            <a:off x="1283677" y="1899139"/>
+            <a:ext cx="2479431" cy="1459523"/>
+          </a:xfrm>
+          <a:prstGeom prst="roundRect">
+            <a:avLst/>
+          </a:prstGeom>
+        </p:spPr>
+        <p:style>
+          <a:lnRef idx="2">
+            <a:schemeClr val="accent1">
+              <a:shade val="50000"/>
+            </a:schemeClr>
+          </a:lnRef>
+          <a:fillRef idx="1">
+            <a:schemeClr val="accent1"/>
+          </a:fillRef>
+          <a:effectRef idx="0">
+            <a:schemeClr val="accent1"/>
+          </a:effectRef>
+          <a:fontRef idx="minor">
+            <a:schemeClr val="lt1"/>
+          </a:fontRef>
+        </p:style>
+        <p:txBody>
+          <a:bodyPr rtlCol="0" anchor="ctr"/>
+          <a:lstStyle/>
+          <a:p>
+            <a:pPr algn="ctr"/>
+            <a:r>
+              <a:rPr lang="en-US" dirty="0" smtClean="0"/>
+              <a:t>Stores Blog </a:t>
+            </a:r>
+            <a:r>
+              <a:rPr lang="en-US" dirty="0" smtClean="0"/>
+              <a:t>Data: Blog </a:t>
+            </a:r>
+            <a:r>
+              <a:rPr lang="en-US" dirty="0" smtClean="0"/>
+              <a:t>Title, </a:t>
+            </a:r>
+            <a:endParaRPr lang="en-US" dirty="0" smtClean="0"/>
+          </a:p>
+          <a:p>
+            <a:pPr algn="ctr"/>
+            <a:r>
+              <a:rPr lang="en-US" dirty="0" smtClean="0"/>
+              <a:t>Category</a:t>
+            </a:r>
+            <a:r>
+              <a:rPr lang="en-US" dirty="0" smtClean="0"/>
+              <a:t>, </a:t>
+            </a:r>
+            <a:endParaRPr lang="en-US" dirty="0" smtClean="0"/>
+          </a:p>
+          <a:p>
+            <a:pPr algn="ctr"/>
+            <a:r>
+              <a:rPr lang="en-US" dirty="0" smtClean="0"/>
+              <a:t>Blog Content</a:t>
+            </a:r>
+            <a:endParaRPr lang="en-US" dirty="0"/>
+          </a:p>
+        </p:txBody>
+      </p:sp>
+      <p:sp>
+        <p:nvSpPr>
+          <p:cNvPr id="6" name="Rounded Rectangle 5"/>
+          <p:cNvSpPr/>
+          <p:nvPr/>
+        </p:nvSpPr>
+        <p:spPr>
+          <a:xfrm>
+            <a:off x="5164016" y="1899139"/>
+            <a:ext cx="2423746" cy="1459523"/>
+          </a:xfrm>
+          <a:prstGeom prst="roundRect">
+            <a:avLst/>
+          </a:prstGeom>
+        </p:spPr>
+        <p:style>
+          <a:lnRef idx="2">
+            <a:schemeClr val="accent1">
+              <a:shade val="50000"/>
+            </a:schemeClr>
+          </a:lnRef>
+          <a:fillRef idx="1">
+            <a:schemeClr val="accent1"/>
+          </a:fillRef>
+          <a:effectRef idx="0">
+            <a:schemeClr val="accent1"/>
+          </a:effectRef>
+          <a:fontRef idx="minor">
+            <a:schemeClr val="lt1"/>
+          </a:fontRef>
+        </p:style>
+        <p:txBody>
+          <a:bodyPr rtlCol="0" anchor="ctr"/>
+          <a:lstStyle/>
+          <a:p>
+            <a:r>
+              <a:rPr lang="en-US" dirty="0" smtClean="0"/>
+              <a:t>Data is key-value pair with Key as </a:t>
+            </a:r>
+            <a:r>
+              <a:rPr lang="en-US" b="1" dirty="0" smtClean="0"/>
+              <a:t>Id</a:t>
+            </a:r>
+            <a:r>
+              <a:rPr lang="en-US" dirty="0" smtClean="0"/>
+              <a:t> and Value as </a:t>
+            </a:r>
+            <a:r>
+              <a:rPr lang="en-US" b="1" dirty="0" smtClean="0"/>
+              <a:t>Blog Data</a:t>
+            </a:r>
+          </a:p>
+        </p:txBody>
+      </p:sp>
     </p:spTree>
     <p:extLst>
       <p:ext uri="{BB962C8B-B14F-4D97-AF65-F5344CB8AC3E}">
-        <p14:creationId xmlns:p14="http://schemas.microsoft.com/office/powerpoint/2010/main" val="591382470"/>
+        <p14:creationId xmlns:p14="http://schemas.microsoft.com/office/powerpoint/2010/main" xmlns="" val="591382470"/>
       </p:ext>
     </p:extLst>
   </p:cSld>
   <p:clrMapOvr>
     <a:masterClrMapping/>
   </p:clrMapOvr>
+  <p:transition/>
+  <p:timing>
+    <p:tnLst>
+      <p:par>
+        <p:cTn id="1" dur="indefinite" restart="never" nodeType="tmRoot"/>
+      </p:par>
+    </p:tnLst>
+  </p:timing>
 </p:sld>
 </file>
 
@@ -5808,10 +6619,6 @@
           </p:nvPr>
         </p:nvSpPr>
         <p:spPr>
-          <a:xfrm>
-            <a:off x="311700" y="445025"/>
-            <a:ext cx="8520600" cy="572700"/>
-          </a:xfrm>
           <a:prstGeom prst="rect">
             <a:avLst/>
           </a:prstGeom>
@@ -5824,13 +6631,13 @@
           <a:p>
             <a:pPr lvl="0"/>
             <a:r>
-              <a:rPr lang="de" dirty="0">
+              <a:rPr lang="de" dirty="0" smtClean="0">
                 <a:latin typeface="Montserrat"/>
                 <a:ea typeface="Montserrat"/>
                 <a:cs typeface="Montserrat"/>
                 <a:sym typeface="Montserrat"/>
               </a:rPr>
-              <a:t>NOSQL Databses: RethinkDB</a:t>
+              <a:t>Redis : Problems Encountered</a:t>
             </a:r>
             <a:endParaRPr lang="de" dirty="0">
               <a:latin typeface="Montserrat"/>
@@ -5843,6 +6650,52 @@
       </p:sp>
       <p:sp>
         <p:nvSpPr>
+          <p:cNvPr id="4" name="Text Placeholder 3"/>
+          <p:cNvSpPr>
+            <a:spLocks noGrp="1"/>
+          </p:cNvSpPr>
+          <p:nvPr>
+            <p:ph type="body" idx="1"/>
+          </p:nvPr>
+        </p:nvSpPr>
+        <p:spPr>
+          <a:xfrm>
+            <a:off x="500557" y="1246816"/>
+            <a:ext cx="8520600" cy="3416400"/>
+          </a:xfrm>
+        </p:spPr>
+        <p:txBody>
+          <a:bodyPr/>
+          <a:lstStyle/>
+          <a:p>
+            <a:r>
+              <a:rPr lang="en-US" b="1" dirty="0" smtClean="0"/>
+              <a:t> </a:t>
+            </a:r>
+          </a:p>
+          <a:p>
+            <a:endParaRPr lang="en-US" b="1" dirty="0" smtClean="0"/>
+          </a:p>
+          <a:p>
+            <a:endParaRPr lang="en-US" b="1" dirty="0" smtClean="0"/>
+          </a:p>
+          <a:p>
+            <a:endParaRPr lang="en-US" b="1" dirty="0" smtClean="0"/>
+          </a:p>
+          <a:p>
+            <a:endParaRPr lang="en-US" b="1" dirty="0" smtClean="0"/>
+          </a:p>
+          <a:p>
+            <a:pPr>
+              <a:buFont typeface="Arial" pitchFamily="34" charset="0"/>
+              <a:buChar char="•"/>
+            </a:pPr>
+            <a:endParaRPr lang="en-US" b="1" dirty="0"/>
+          </a:p>
+        </p:txBody>
+      </p:sp>
+      <p:sp>
+        <p:nvSpPr>
           <p:cNvPr id="121" name="Shape 121"/>
           <p:cNvSpPr txBox="1">
             <a:spLocks noGrp="1"/>
@@ -5852,10 +6705,6 @@
           </p:nvPr>
         </p:nvSpPr>
         <p:spPr>
-          <a:xfrm>
-            <a:off x="8472457" y="4663216"/>
-            <a:ext cx="548700" cy="393600"/>
-          </a:xfrm>
           <a:prstGeom prst="rect">
             <a:avLst/>
           </a:prstGeom>
@@ -5874,6 +6723,12 @@
             </a:pPr>
             <a:fld id="{00000000-1234-1234-1234-123412341234}" type="slidenum">
               <a:rPr lang="de"/>
+              <a:pPr lvl="0" rtl="0">
+                <a:spcBef>
+                  <a:spcPts val="0"/>
+                </a:spcBef>
+                <a:buNone/>
+              </a:pPr>
               <a:t>7</a:t>
             </a:fld>
             <a:endParaRPr lang="de"/>
@@ -5882,42 +6737,166 @@
       </p:sp>
       <p:sp>
         <p:nvSpPr>
-          <p:cNvPr id="3" name="TextBox 2"/>
-          <p:cNvSpPr txBox="1"/>
+          <p:cNvPr id="5" name="Oval 4"/>
+          <p:cNvSpPr/>
           <p:nvPr/>
         </p:nvSpPr>
         <p:spPr>
           <a:xfrm>
-            <a:off x="311700" y="1184492"/>
-            <a:ext cx="5612904" cy="307777"/>
+            <a:off x="3521320" y="1982664"/>
+            <a:ext cx="2576146" cy="1872761"/>
+          </a:xfrm>
+          <a:prstGeom prst="ellipse">
+            <a:avLst/>
+          </a:prstGeom>
+        </p:spPr>
+        <p:style>
+          <a:lnRef idx="2">
+            <a:schemeClr val="accent1">
+              <a:shade val="50000"/>
+            </a:schemeClr>
+          </a:lnRef>
+          <a:fillRef idx="1">
+            <a:schemeClr val="accent1"/>
+          </a:fillRef>
+          <a:effectRef idx="0">
+            <a:schemeClr val="accent1"/>
+          </a:effectRef>
+          <a:fontRef idx="minor">
+            <a:schemeClr val="lt1"/>
+          </a:fontRef>
+        </p:style>
+        <p:txBody>
+          <a:bodyPr rtlCol="0" anchor="ctr"/>
+          <a:lstStyle/>
+          <a:p>
+            <a:r>
+              <a:rPr lang="en-US" b="1" dirty="0" smtClean="0"/>
+              <a:t>What if we wish to store more fields like Category, Username?</a:t>
+            </a:r>
+            <a:endParaRPr lang="en-US" dirty="0"/>
+          </a:p>
+        </p:txBody>
+      </p:sp>
+      <p:sp>
+        <p:nvSpPr>
+          <p:cNvPr id="6" name="Rectangle 5"/>
+          <p:cNvSpPr/>
+          <p:nvPr/>
+        </p:nvSpPr>
+        <p:spPr>
+          <a:xfrm>
+            <a:off x="958363" y="1283676"/>
+            <a:ext cx="2039814" cy="1635369"/>
           </a:xfrm>
           <a:prstGeom prst="rect">
             <a:avLst/>
           </a:prstGeom>
-          <a:noFill/>
-        </p:spPr>
-        <p:txBody>
-          <a:bodyPr wrap="square" rtlCol="0">
-            <a:spAutoFit/>
-          </a:bodyPr>
+          <a:solidFill>
+            <a:srgbClr val="0070C0"/>
+          </a:solidFill>
+          <a:ln>
+            <a:solidFill>
+              <a:srgbClr val="0070C0"/>
+            </a:solidFill>
+          </a:ln>
+        </p:spPr>
+        <p:style>
+          <a:lnRef idx="2">
+            <a:schemeClr val="accent1">
+              <a:shade val="50000"/>
+            </a:schemeClr>
+          </a:lnRef>
+          <a:fillRef idx="1">
+            <a:schemeClr val="accent1"/>
+          </a:fillRef>
+          <a:effectRef idx="0">
+            <a:schemeClr val="accent1"/>
+          </a:effectRef>
+          <a:fontRef idx="minor">
+            <a:schemeClr val="lt1"/>
+          </a:fontRef>
+        </p:style>
+        <p:txBody>
+          <a:bodyPr rtlCol="0" anchor="ctr"/>
           <a:lstStyle/>
           <a:p>
-            <a:pPr marL="285750" indent="-285750">
-              <a:buFont typeface="Arial"/>
-              <a:buChar char="•"/>
-            </a:pPr>
             <a:r>
-              <a:rPr lang="en-GB" dirty="0" smtClean="0"/>
-              <a:t>Session storage</a:t>
+              <a:rPr lang="en-US" b="1" dirty="0" smtClean="0"/>
+              <a:t>Data </a:t>
             </a:r>
-            <a:endParaRPr lang="en-GB" dirty="0"/>
+            <a:r>
+              <a:rPr lang="en-US" b="1" dirty="0" smtClean="0"/>
+              <a:t>can only be stored as key value </a:t>
+            </a:r>
+            <a:r>
+              <a:rPr lang="en-US" b="1" dirty="0" smtClean="0"/>
+              <a:t>pairs</a:t>
+            </a:r>
+          </a:p>
+          <a:p>
+            <a:r>
+              <a:rPr lang="en-US" b="1" dirty="0" smtClean="0"/>
+              <a:t>(</a:t>
+            </a:r>
+            <a:r>
+              <a:rPr lang="en-US" b="1" dirty="0" smtClean="0"/>
+              <a:t>Blog Title, Content)</a:t>
+            </a:r>
+          </a:p>
+        </p:txBody>
+      </p:sp>
+      <p:sp>
+        <p:nvSpPr>
+          <p:cNvPr id="7" name="Teardrop 6"/>
+          <p:cNvSpPr/>
+          <p:nvPr/>
+        </p:nvSpPr>
+        <p:spPr>
+          <a:xfrm>
+            <a:off x="6268915" y="3244362"/>
+            <a:ext cx="1925516" cy="1418854"/>
+          </a:xfrm>
+          <a:prstGeom prst="teardrop">
+            <a:avLst/>
+          </a:prstGeom>
+          <a:solidFill>
+            <a:schemeClr val="accent6">
+              <a:lumMod val="50000"/>
+            </a:schemeClr>
+          </a:solidFill>
+        </p:spPr>
+        <p:style>
+          <a:lnRef idx="2">
+            <a:schemeClr val="accent1">
+              <a:shade val="50000"/>
+            </a:schemeClr>
+          </a:lnRef>
+          <a:fillRef idx="1">
+            <a:schemeClr val="accent1"/>
+          </a:fillRef>
+          <a:effectRef idx="0">
+            <a:schemeClr val="accent1"/>
+          </a:effectRef>
+          <a:fontRef idx="minor">
+            <a:schemeClr val="lt1"/>
+          </a:fontRef>
+        </p:style>
+        <p:txBody>
+          <a:bodyPr rtlCol="0" anchor="ctr"/>
+          <a:lstStyle/>
+          <a:p>
+            <a:r>
+              <a:rPr lang="en-US" b="1" dirty="0" smtClean="0"/>
+              <a:t>Solution : Store data in an array</a:t>
+            </a:r>
           </a:p>
         </p:txBody>
       </p:sp>
     </p:spTree>
     <p:extLst>
       <p:ext uri="{BB962C8B-B14F-4D97-AF65-F5344CB8AC3E}">
-        <p14:creationId xmlns:p14="http://schemas.microsoft.com/office/powerpoint/2010/main" val="3733304633"/>
+        <p14:creationId xmlns:p14="http://schemas.microsoft.com/office/powerpoint/2010/main" xmlns="" val="591382470"/>
       </p:ext>
     </p:extLst>
   </p:cSld>
@@ -5955,10 +6934,6 @@
           </p:nvPr>
         </p:nvSpPr>
         <p:spPr>
-          <a:xfrm>
-            <a:off x="311700" y="445025"/>
-            <a:ext cx="8520600" cy="572700"/>
-          </a:xfrm>
           <a:prstGeom prst="rect">
             <a:avLst/>
           </a:prstGeom>
@@ -5971,13 +6946,13 @@
           <a:p>
             <a:pPr lvl="0"/>
             <a:r>
-              <a:rPr lang="de" dirty="0">
+              <a:rPr lang="de" dirty="0" smtClean="0">
                 <a:latin typeface="Montserrat"/>
                 <a:ea typeface="Montserrat"/>
                 <a:cs typeface="Montserrat"/>
                 <a:sym typeface="Montserrat"/>
               </a:rPr>
-              <a:t>NOSQL Databses: Neo4j</a:t>
+              <a:t>Redis : Problems Encountered</a:t>
             </a:r>
             <a:endParaRPr lang="de" dirty="0">
               <a:latin typeface="Montserrat"/>
@@ -5990,6 +6965,52 @@
       </p:sp>
       <p:sp>
         <p:nvSpPr>
+          <p:cNvPr id="4" name="Text Placeholder 3"/>
+          <p:cNvSpPr>
+            <a:spLocks noGrp="1"/>
+          </p:cNvSpPr>
+          <p:nvPr>
+            <p:ph type="body" idx="1"/>
+          </p:nvPr>
+        </p:nvSpPr>
+        <p:spPr>
+          <a:xfrm>
+            <a:off x="500557" y="1246816"/>
+            <a:ext cx="8520600" cy="3416400"/>
+          </a:xfrm>
+        </p:spPr>
+        <p:txBody>
+          <a:bodyPr/>
+          <a:lstStyle/>
+          <a:p>
+            <a:r>
+              <a:rPr lang="en-US" b="1" dirty="0" smtClean="0"/>
+              <a:t> </a:t>
+            </a:r>
+          </a:p>
+          <a:p>
+            <a:endParaRPr lang="en-US" b="1" dirty="0" smtClean="0"/>
+          </a:p>
+          <a:p>
+            <a:endParaRPr lang="en-US" b="1" dirty="0" smtClean="0"/>
+          </a:p>
+          <a:p>
+            <a:endParaRPr lang="en-US" b="1" dirty="0" smtClean="0"/>
+          </a:p>
+          <a:p>
+            <a:endParaRPr lang="en-US" b="1" dirty="0" smtClean="0"/>
+          </a:p>
+          <a:p>
+            <a:pPr>
+              <a:buFont typeface="Arial" pitchFamily="34" charset="0"/>
+              <a:buChar char="•"/>
+            </a:pPr>
+            <a:endParaRPr lang="en-US" b="1" dirty="0"/>
+          </a:p>
+        </p:txBody>
+      </p:sp>
+      <p:sp>
+        <p:nvSpPr>
           <p:cNvPr id="121" name="Shape 121"/>
           <p:cNvSpPr txBox="1">
             <a:spLocks noGrp="1"/>
@@ -5999,10 +7020,6 @@
           </p:nvPr>
         </p:nvSpPr>
         <p:spPr>
-          <a:xfrm>
-            <a:off x="8472457" y="4663216"/>
-            <a:ext cx="548700" cy="393600"/>
-          </a:xfrm>
           <a:prstGeom prst="rect">
             <a:avLst/>
           </a:prstGeom>
@@ -6021,6 +7038,12 @@
             </a:pPr>
             <a:fld id="{00000000-1234-1234-1234-123412341234}" type="slidenum">
               <a:rPr lang="de"/>
+              <a:pPr lvl="0" rtl="0">
+                <a:spcBef>
+                  <a:spcPts val="0"/>
+                </a:spcBef>
+                <a:buNone/>
+              </a:pPr>
               <a:t>8</a:t>
             </a:fld>
             <a:endParaRPr lang="de"/>
@@ -6029,42 +7052,176 @@
       </p:sp>
       <p:sp>
         <p:nvSpPr>
-          <p:cNvPr id="3" name="TextBox 2"/>
-          <p:cNvSpPr txBox="1"/>
+          <p:cNvPr id="5" name="Oval 4"/>
+          <p:cNvSpPr/>
           <p:nvPr/>
         </p:nvSpPr>
         <p:spPr>
           <a:xfrm>
-            <a:off x="311700" y="1184492"/>
-            <a:ext cx="5612904" cy="307777"/>
+            <a:off x="3521320" y="1982664"/>
+            <a:ext cx="2576146" cy="1872761"/>
+          </a:xfrm>
+          <a:prstGeom prst="ellipse">
+            <a:avLst/>
+          </a:prstGeom>
+        </p:spPr>
+        <p:style>
+          <a:lnRef idx="2">
+            <a:schemeClr val="accent1">
+              <a:shade val="50000"/>
+            </a:schemeClr>
+          </a:lnRef>
+          <a:fillRef idx="1">
+            <a:schemeClr val="accent1"/>
+          </a:fillRef>
+          <a:effectRef idx="0">
+            <a:schemeClr val="accent1"/>
+          </a:effectRef>
+          <a:fontRef idx="minor">
+            <a:schemeClr val="lt1"/>
+          </a:fontRef>
+        </p:style>
+        <p:txBody>
+          <a:bodyPr rtlCol="0" anchor="ctr"/>
+          <a:lstStyle/>
+          <a:p>
+            <a:r>
+              <a:rPr lang="en-US" b="1" dirty="0" smtClean="0">
+                <a:latin typeface="+mj-lt"/>
+              </a:rPr>
+              <a:t>O</a:t>
+            </a:r>
+            <a:r>
+              <a:rPr lang="en-US" b="1" dirty="0" smtClean="0">
+                <a:latin typeface="+mj-lt"/>
+              </a:rPr>
+              <a:t>pen issue in </a:t>
+            </a:r>
+            <a:r>
+              <a:rPr lang="en-US" b="1" dirty="0" err="1" smtClean="0">
+                <a:latin typeface="+mj-lt"/>
+              </a:rPr>
+              <a:t>Redis</a:t>
+            </a:r>
+            <a:r>
+              <a:rPr lang="en-US" b="1" dirty="0" smtClean="0">
+                <a:latin typeface="+mj-lt"/>
+              </a:rPr>
+              <a:t> where first time array returns a blank value </a:t>
+            </a:r>
+            <a:endParaRPr lang="en-US" b="1" dirty="0">
+              <a:latin typeface="+mj-lt"/>
+            </a:endParaRPr>
+          </a:p>
+        </p:txBody>
+      </p:sp>
+      <p:sp>
+        <p:nvSpPr>
+          <p:cNvPr id="6" name="Rectangle 5"/>
+          <p:cNvSpPr/>
+          <p:nvPr/>
+        </p:nvSpPr>
+        <p:spPr>
+          <a:xfrm>
+            <a:off x="773723" y="1283676"/>
+            <a:ext cx="2224454" cy="1635369"/>
           </a:xfrm>
           <a:prstGeom prst="rect">
             <a:avLst/>
           </a:prstGeom>
-          <a:noFill/>
-        </p:spPr>
-        <p:txBody>
-          <a:bodyPr wrap="square" rtlCol="0">
-            <a:spAutoFit/>
-          </a:bodyPr>
+          <a:solidFill>
+            <a:srgbClr val="0070C0"/>
+          </a:solidFill>
+          <a:ln>
+            <a:solidFill>
+              <a:srgbClr val="0070C0"/>
+            </a:solidFill>
+          </a:ln>
+        </p:spPr>
+        <p:style>
+          <a:lnRef idx="2">
+            <a:schemeClr val="accent1">
+              <a:shade val="50000"/>
+            </a:schemeClr>
+          </a:lnRef>
+          <a:fillRef idx="1">
+            <a:schemeClr val="accent1"/>
+          </a:fillRef>
+          <a:effectRef idx="0">
+            <a:schemeClr val="accent1"/>
+          </a:effectRef>
+          <a:fontRef idx="minor">
+            <a:schemeClr val="lt1"/>
+          </a:fontRef>
+        </p:style>
+        <p:txBody>
+          <a:bodyPr rtlCol="0" anchor="ctr"/>
           <a:lstStyle/>
           <a:p>
-            <a:pPr marL="285750" indent="-285750">
-              <a:buFont typeface="Arial"/>
-              <a:buChar char="•"/>
-            </a:pPr>
             <a:r>
-              <a:rPr lang="en-GB" dirty="0" smtClean="0"/>
-              <a:t>Recommendation</a:t>
+              <a:rPr lang="en-US" b="1" dirty="0" smtClean="0"/>
+              <a:t>Unable to show latest blogs on screen when opens application first </a:t>
             </a:r>
-            <a:endParaRPr lang="en-GB" dirty="0"/>
+            <a:r>
+              <a:rPr lang="en-US" b="1" dirty="0" smtClean="0"/>
+              <a:t>time</a:t>
+            </a:r>
+            <a:endParaRPr lang="en-US" dirty="0" smtClean="0"/>
+          </a:p>
+        </p:txBody>
+      </p:sp>
+      <p:sp>
+        <p:nvSpPr>
+          <p:cNvPr id="7" name="Teardrop 6"/>
+          <p:cNvSpPr/>
+          <p:nvPr/>
+        </p:nvSpPr>
+        <p:spPr>
+          <a:xfrm>
+            <a:off x="6268915" y="3244362"/>
+            <a:ext cx="1925516" cy="1418854"/>
+          </a:xfrm>
+          <a:prstGeom prst="teardrop">
+            <a:avLst/>
+          </a:prstGeom>
+          <a:solidFill>
+            <a:schemeClr val="accent6">
+              <a:lumMod val="50000"/>
+            </a:schemeClr>
+          </a:solidFill>
+        </p:spPr>
+        <p:style>
+          <a:lnRef idx="2">
+            <a:schemeClr val="accent1">
+              <a:shade val="50000"/>
+            </a:schemeClr>
+          </a:lnRef>
+          <a:fillRef idx="1">
+            <a:schemeClr val="accent1"/>
+          </a:fillRef>
+          <a:effectRef idx="0">
+            <a:schemeClr val="accent1"/>
+          </a:effectRef>
+          <a:fontRef idx="minor">
+            <a:schemeClr val="lt1"/>
+          </a:fontRef>
+        </p:style>
+        <p:txBody>
+          <a:bodyPr rtlCol="0" anchor="ctr"/>
+          <a:lstStyle/>
+          <a:p>
+            <a:r>
+              <a:rPr lang="en-US" b="1" dirty="0" smtClean="0"/>
+              <a:t>Temporary Solution: Added an extra reload on main page </a:t>
+            </a:r>
+            <a:endParaRPr lang="en-US" b="1" dirty="0" smtClean="0"/>
           </a:p>
         </p:txBody>
       </p:sp>
     </p:spTree>
     <p:extLst>
       <p:ext uri="{BB962C8B-B14F-4D97-AF65-F5344CB8AC3E}">
-        <p14:creationId xmlns:p14="http://schemas.microsoft.com/office/powerpoint/2010/main" val="280105268"/>
+        <p14:creationId xmlns:p14="http://schemas.microsoft.com/office/powerpoint/2010/main" xmlns="" val="591382470"/>
       </p:ext>
     </p:extLst>
   </p:cSld>
@@ -6107,16 +7264,20 @@
           <a:lstStyle/>
           <a:p>
             <a:r>
-              <a:rPr lang="en-GB" dirty="0" smtClean="0"/>
-              <a:t>Live demo</a:t>
+              <a:rPr lang="en-US" dirty="0" smtClean="0"/>
+              <a:t>Advantages of Using </a:t>
             </a:r>
-            <a:endParaRPr lang="en-GB" dirty="0"/>
-          </a:p>
-        </p:txBody>
-      </p:sp>
-      <p:sp>
-        <p:nvSpPr>
-          <p:cNvPr id="3" name="Slide Number Placeholder 2"/>
+            <a:r>
+              <a:rPr lang="en-US" dirty="0" err="1" smtClean="0"/>
+              <a:t>Redis</a:t>
+            </a:r>
+            <a:endParaRPr lang="en-US" dirty="0"/>
+          </a:p>
+        </p:txBody>
+      </p:sp>
+      <p:sp>
+        <p:nvSpPr>
+          <p:cNvPr id="4" name="Slide Number Placeholder 3"/>
           <p:cNvSpPr>
             <a:spLocks noGrp="1"/>
           </p:cNvSpPr>
@@ -6137,18 +7298,151 @@
             </a:pPr>
             <a:fld id="{00000000-1234-1234-1234-123412341234}" type="slidenum">
               <a:rPr lang="de" smtClean="0"/>
+              <a:pPr lvl="0">
+                <a:spcBef>
+                  <a:spcPts val="0"/>
+                </a:spcBef>
+                <a:buNone/>
+              </a:pPr>
               <a:t>9</a:t>
             </a:fld>
             <a:endParaRPr lang="de"/>
           </a:p>
         </p:txBody>
       </p:sp>
+      <p:sp>
+        <p:nvSpPr>
+          <p:cNvPr id="5" name="Oval 4"/>
+          <p:cNvSpPr/>
+          <p:nvPr/>
+        </p:nvSpPr>
+        <p:spPr>
+          <a:xfrm>
+            <a:off x="3050931" y="3068515"/>
+            <a:ext cx="2400299" cy="1776047"/>
+          </a:xfrm>
+          <a:prstGeom prst="ellipse">
+            <a:avLst/>
+          </a:prstGeom>
+        </p:spPr>
+        <p:style>
+          <a:lnRef idx="2">
+            <a:schemeClr val="accent1">
+              <a:shade val="50000"/>
+            </a:schemeClr>
+          </a:lnRef>
+          <a:fillRef idx="1">
+            <a:schemeClr val="accent1"/>
+          </a:fillRef>
+          <a:effectRef idx="0">
+            <a:schemeClr val="accent1"/>
+          </a:effectRef>
+          <a:fontRef idx="minor">
+            <a:schemeClr val="lt1"/>
+          </a:fontRef>
+        </p:style>
+        <p:txBody>
+          <a:bodyPr rtlCol="0" anchor="ctr"/>
+          <a:lstStyle/>
+          <a:p>
+            <a:pPr algn="ctr"/>
+            <a:r>
+              <a:rPr lang="en-US" dirty="0" smtClean="0"/>
+              <a:t>Future advancements in application can add more complex data types like list, sets etc </a:t>
+            </a:r>
+            <a:endParaRPr lang="en-US" dirty="0"/>
+          </a:p>
+        </p:txBody>
+      </p:sp>
+      <p:sp>
+        <p:nvSpPr>
+          <p:cNvPr id="6" name="Oval 5"/>
+          <p:cNvSpPr/>
+          <p:nvPr/>
+        </p:nvSpPr>
+        <p:spPr>
+          <a:xfrm>
+            <a:off x="715107" y="1421421"/>
+            <a:ext cx="2019300" cy="1647091"/>
+          </a:xfrm>
+          <a:prstGeom prst="ellipse">
+            <a:avLst/>
+          </a:prstGeom>
+        </p:spPr>
+        <p:style>
+          <a:lnRef idx="2">
+            <a:schemeClr val="accent1">
+              <a:shade val="50000"/>
+            </a:schemeClr>
+          </a:lnRef>
+          <a:fillRef idx="1">
+            <a:schemeClr val="accent1"/>
+          </a:fillRef>
+          <a:effectRef idx="0">
+            <a:schemeClr val="accent1"/>
+          </a:effectRef>
+          <a:fontRef idx="minor">
+            <a:schemeClr val="lt1"/>
+          </a:fontRef>
+        </p:style>
+        <p:txBody>
+          <a:bodyPr rtlCol="0" anchor="ctr"/>
+          <a:lstStyle/>
+          <a:p>
+            <a:pPr algn="ctr"/>
+            <a:r>
+              <a:rPr lang="en-US" dirty="0" smtClean="0"/>
+              <a:t>Fast retrieval of blog data as compared to Mongo</a:t>
+            </a:r>
+            <a:endParaRPr lang="en-US" dirty="0"/>
+          </a:p>
+        </p:txBody>
+      </p:sp>
+      <p:sp>
+        <p:nvSpPr>
+          <p:cNvPr id="7" name="Oval 6"/>
+          <p:cNvSpPr/>
+          <p:nvPr/>
+        </p:nvSpPr>
+        <p:spPr>
+          <a:xfrm>
+            <a:off x="5662246" y="1570891"/>
+            <a:ext cx="1907931" cy="1647093"/>
+          </a:xfrm>
+          <a:prstGeom prst="ellipse">
+            <a:avLst/>
+          </a:prstGeom>
+        </p:spPr>
+        <p:style>
+          <a:lnRef idx="2">
+            <a:schemeClr val="accent1">
+              <a:shade val="50000"/>
+            </a:schemeClr>
+          </a:lnRef>
+          <a:fillRef idx="1">
+            <a:schemeClr val="accent1"/>
+          </a:fillRef>
+          <a:effectRef idx="0">
+            <a:schemeClr val="accent1"/>
+          </a:effectRef>
+          <a:fontRef idx="minor">
+            <a:schemeClr val="lt1"/>
+          </a:fontRef>
+        </p:style>
+        <p:txBody>
+          <a:bodyPr rtlCol="0" anchor="ctr"/>
+          <a:lstStyle/>
+          <a:p>
+            <a:pPr algn="ctr"/>
+            <a:r>
+              <a:rPr lang="en-US" dirty="0" smtClean="0"/>
+              <a:t>Supporting wide variety of data types </a:t>
+            </a:r>
+            <a:endParaRPr lang="en-US" dirty="0"/>
+          </a:p>
+        </p:txBody>
+      </p:sp>
     </p:spTree>
-    <p:extLst>
-      <p:ext uri="{BB962C8B-B14F-4D97-AF65-F5344CB8AC3E}">
-        <p14:creationId xmlns:p14="http://schemas.microsoft.com/office/powerpoint/2010/main" val="1930402515"/>
-      </p:ext>
-    </p:extLst>
   </p:cSld>
   <p:clrMapOvr>
     <a:masterClrMapping/>
